--- a/presentazione_F1_10min.pptx
+++ b/presentazione_F1_10min.pptx
@@ -5,7 +5,7 @@
     <p:sldMasterId id="2147483648" r:id="rId1"/>
   </p:sldMasterIdLst>
   <p:notesMasterIdLst>
-    <p:notesMasterId r:id="rId23"/>
+    <p:notesMasterId r:id="rId24"/>
   </p:notesMasterIdLst>
   <p:sldIdLst>
     <p:sldId id="256" r:id="rId2"/>
@@ -24,11 +24,12 @@
     <p:sldId id="264" r:id="rId15"/>
     <p:sldId id="279" r:id="rId16"/>
     <p:sldId id="265" r:id="rId17"/>
-    <p:sldId id="266" r:id="rId18"/>
-    <p:sldId id="267" r:id="rId19"/>
-    <p:sldId id="268" r:id="rId20"/>
-    <p:sldId id="269" r:id="rId21"/>
-    <p:sldId id="270" r:id="rId22"/>
+    <p:sldId id="280" r:id="rId18"/>
+    <p:sldId id="266" r:id="rId19"/>
+    <p:sldId id="267" r:id="rId20"/>
+    <p:sldId id="268" r:id="rId21"/>
+    <p:sldId id="269" r:id="rId22"/>
+    <p:sldId id="270" r:id="rId23"/>
   </p:sldIdLst>
   <p:sldSz cx="12192000" cy="6858000"/>
   <p:notesSz cx="6858000" cy="9144000"/>
@@ -2485,7 +2486,13 @@
   <p:cSld>
     <p:spTree>
       <p:nvGrpSpPr>
-        <p:cNvPr id="1" name=""/>
+        <p:cNvPr id="1" name="">
+          <a:extLst>
+            <a:ext uri="{FF2B5EF4-FFF2-40B4-BE49-F238E27FC236}">
+              <a16:creationId xmlns:a16="http://schemas.microsoft.com/office/drawing/2014/main" id="{F611ADA4-CBC6-8C4B-D7B4-739F6EF46C4E}"/>
+            </a:ext>
+          </a:extLst>
+        </p:cNvPr>
         <p:cNvGrpSpPr/>
         <p:nvPr/>
       </p:nvGrpSpPr>
@@ -2499,7 +2506,13 @@
       </p:grpSpPr>
       <p:sp>
         <p:nvSpPr>
-          <p:cNvPr id="2" name="Slide Image Placeholder 1"/>
+          <p:cNvPr id="2" name="Slide Image Placeholder 1">
+            <a:extLst>
+              <a:ext uri="{FF2B5EF4-FFF2-40B4-BE49-F238E27FC236}">
+                <a16:creationId xmlns:a16="http://schemas.microsoft.com/office/drawing/2014/main" id="{179CD746-A223-329F-CC00-B65394200612}"/>
+              </a:ext>
+            </a:extLst>
+          </p:cNvPr>
           <p:cNvSpPr>
             <a:spLocks noGrp="1" noRot="1" noChangeAspect="1"/>
           </p:cNvSpPr>
@@ -2516,7 +2529,13 @@
       </p:sp>
       <p:sp>
         <p:nvSpPr>
-          <p:cNvPr id="3" name="Notes Placeholder 2"/>
+          <p:cNvPr id="3" name="Notes Placeholder 2">
+            <a:extLst>
+              <a:ext uri="{FF2B5EF4-FFF2-40B4-BE49-F238E27FC236}">
+                <a16:creationId xmlns:a16="http://schemas.microsoft.com/office/drawing/2014/main" id="{846743D9-8FC6-C212-001A-80C791D15A44}"/>
+              </a:ext>
+            </a:extLst>
+          </p:cNvPr>
           <p:cNvSpPr>
             <a:spLocks noGrp="1"/>
           </p:cNvSpPr>
@@ -2533,7 +2552,7 @@
           </a:p>
           <a:p>
             <a:r>
-              <a:t>Visualizzazione delle regressioni MEM:</a:t>
+              <a:t>Mixture of Experts Models (MEM):</a:t>
             </a:r>
           </a:p>
           <a:p>
@@ -2541,12 +2560,17 @@
           </a:p>
           <a:p>
             <a:r>
-              <a:t>Questo grafico mostra come ciascun cluster (stile di guida) si comporta in funzione</a:t>
-            </a:r>
-          </a:p>
-          <a:p>
-            <a:r>
-              <a:t>della componente TRACK (configurazione pista).</a:t>
+              <a:t>Motivazione:</a:t>
+            </a:r>
+          </a:p>
+          <a:p>
+            <a:r>
+              <a:t>Il primo clustering ha identificato principalmente caratteristiche dei tracciati.</a:t>
+            </a:r>
+          </a:p>
+          <a:p>
+            <a:r>
+              <a:t>Per isolare gli stili di guida, è necessario controllare l'effetto della pista.</a:t>
             </a:r>
           </a:p>
           <a:p>
@@ -2554,32 +2578,27 @@
           </a:p>
           <a:p>
             <a:r>
-              <a:t>Osservazioni:</a:t>
-            </a:r>
-          </a:p>
-          <a:p>
-            <a:r>
-              <a:t>- Ogni cluster ha una relazione lineare distinta con TRACK</a:t>
-            </a:r>
-          </a:p>
-          <a:p>
-            <a:r>
-              <a:t>- Le pendenze diverse indicano che gli stili reagiscono diversamente ai tracciati</a:t>
-            </a:r>
-          </a:p>
-          <a:p>
-            <a:r>
-              <a:t>- Cluster 2 (rosso): pendenza positiva marcata</a:t>
-            </a:r>
-          </a:p>
-          <a:p>
-            <a:r>
-              <a:t>- Cluster 4 (blu): pendenza negativa</a:t>
-            </a:r>
-          </a:p>
-          <a:p>
-            <a:r>
-              <a:t>- Cluster 1 e 3: pendenze intermedie</a:t>
+              <a:t>Approccio:</a:t>
+            </a:r>
+          </a:p>
+          <a:p>
+            <a:r>
+              <a:t>- Regressione normale multivariata</a:t>
+            </a:r>
+          </a:p>
+          <a:p>
+            <a:r>
+              <a:t>- Variabili dipendenti: IN_OUT, C_SHAPE, TRANS</a:t>
+            </a:r>
+          </a:p>
+          <a:p>
+            <a:r>
+              <a:t>- Variabile esplicativa: TRACK</a:t>
+            </a:r>
+          </a:p>
+          <a:p>
+            <a:r>
+              <a:t>- Questo permette di "rimuovere" l'effetto della configurazione del tracciato</a:t>
             </a:r>
           </a:p>
           <a:p>
@@ -2587,12 +2606,109 @@
           </a:p>
           <a:p>
             <a:r>
-              <a:t>Questo conferma che il modello MEM riesce a separare gli stili di guida</a:t>
-            </a:r>
-          </a:p>
-          <a:p>
-            <a:r>
-              <a:t>controllando per l'effetto della pista.</a:t>
+              <a:t>Risultati - 4 cluster (stili di guida):</a:t>
+            </a:r>
+          </a:p>
+          <a:p>
+            <a:endParaRPr/>
+          </a:p>
+          <a:p>
+            <a:r>
+              <a:t>1. Cluster 1 - Reattivo:</a:t>
+            </a:r>
+          </a:p>
+          <a:p>
+            <a:r>
+              <a:t>   - Alto IN_OUT, medio C_SHAPE, basso TRANS</a:t>
+            </a:r>
+          </a:p>
+          <a:p>
+            <a:r>
+              <a:t>   - Correzioni frequenti sull'acceleratore</a:t>
+            </a:r>
+          </a:p>
+          <a:p>
+            <a:r>
+              <a:t>   - Mantiene elevate velocità di percorrenza</a:t>
+            </a:r>
+          </a:p>
+          <a:p>
+            <a:endParaRPr/>
+          </a:p>
+          <a:p>
+            <a:r>
+              <a:t>2. Cluster 2 - 'V' estremo:</a:t>
+            </a:r>
+          </a:p>
+          <a:p>
+            <a:r>
+              <a:t>   - Basso IN_OUT, alto C_SHAPE, alto TRANS</a:t>
+            </a:r>
+          </a:p>
+          <a:p>
+            <a:r>
+              <a:t>   - Staccate profonde, ripartenze rapide</a:t>
+            </a:r>
+          </a:p>
+          <a:p>
+            <a:r>
+              <a:t>   - Erogazione molto pulita</a:t>
+            </a:r>
+          </a:p>
+          <a:p>
+            <a:r>
+              <a:t>   - Esempi: Verstappen, Leclerc</a:t>
+            </a:r>
+          </a:p>
+          <a:p>
+            <a:endParaRPr/>
+          </a:p>
+          <a:p>
+            <a:r>
+              <a:t>3. Cluster 3 - Percorrenza:</a:t>
+            </a:r>
+          </a:p>
+          <a:p>
+            <a:r>
+              <a:t>   - Alto IN_OUT, basso C_SHAPE, alto TRANS</a:t>
+            </a:r>
+          </a:p>
+          <a:p>
+            <a:r>
+              <a:t>   - Focus su carico laterale</a:t>
+            </a:r>
+          </a:p>
+          <a:p>
+            <a:r>
+              <a:t>   - Trazione "sporca" con correzioni</a:t>
+            </a:r>
+          </a:p>
+          <a:p>
+            <a:endParaRPr/>
+          </a:p>
+          <a:p>
+            <a:r>
+              <a:t>4. Cluster 4 - Fluido:</a:t>
+            </a:r>
+          </a:p>
+          <a:p>
+            <a:r>
+              <a:t>   - Basso IN_OUT, basso C_SHAPE, basso TRANS</a:t>
+            </a:r>
+          </a:p>
+          <a:p>
+            <a:r>
+              <a:t>   - Massima stabilità e fluidità</a:t>
+            </a:r>
+          </a:p>
+          <a:p>
+            <a:r>
+              <a:t>   - Minime variazioni longitudinali</a:t>
+            </a:r>
+          </a:p>
+          <a:p>
+            <a:r>
+              <a:t>   - Esempi: Norris, Russell</a:t>
             </a:r>
           </a:p>
           <a:p>
@@ -2602,7 +2718,13 @@
       </p:sp>
       <p:sp>
         <p:nvSpPr>
-          <p:cNvPr id="4" name="Slide Number Placeholder 3"/>
+          <p:cNvPr id="4" name="Slide Number Placeholder 3">
+            <a:extLst>
+              <a:ext uri="{FF2B5EF4-FFF2-40B4-BE49-F238E27FC236}">
+                <a16:creationId xmlns:a16="http://schemas.microsoft.com/office/drawing/2014/main" id="{73ABBFC4-4F26-84B2-E1C7-BD40168A4B6F}"/>
+              </a:ext>
+            </a:extLst>
+          </p:cNvPr>
           <p:cNvSpPr>
             <a:spLocks noGrp="1"/>
           </p:cNvSpPr>
@@ -2613,6 +2735,11 @@
         <p:spPr/>
       </p:sp>
     </p:spTree>
+    <p:extLst>
+      <p:ext uri="{BB962C8B-B14F-4D97-AF65-F5344CB8AC3E}">
+        <p14:creationId xmlns:p14="http://schemas.microsoft.com/office/powerpoint/2010/main" val="3849196596"/>
+      </p:ext>
+    </p:extLst>
   </p:cSld>
   <p:clrMapOvr>
     <a:masterClrMapping/>
@@ -2673,7 +2800,7 @@
           </a:p>
           <a:p>
             <a:r>
-              <a:t>Visualizzazione 3D del modello MEM:</a:t>
+              <a:t>Visualizzazione delle regressioni MEM:</a:t>
             </a:r>
           </a:p>
           <a:p>
@@ -2681,17 +2808,12 @@
           </a:p>
           <a:p>
             <a:r>
-              <a:t>Questo grafico mostra:</a:t>
-            </a:r>
-          </a:p>
-          <a:p>
-            <a:r>
-              <a:t>- Punti: osservazioni colorate per cluster</a:t>
-            </a:r>
-          </a:p>
-          <a:p>
-            <a:r>
-              <a:t>- Linee: piani di regressione per ciascun cluster</a:t>
+              <a:t>Questo grafico mostra come ciascun cluster (stile di guida) si comporta in funzione</a:t>
+            </a:r>
+          </a:p>
+          <a:p>
+            <a:r>
+              <a:t>della componente TRACK (configurazione pista).</a:t>
             </a:r>
           </a:p>
           <a:p>
@@ -2699,17 +2821,32 @@
           </a:p>
           <a:p>
             <a:r>
-              <a:t>La visualizzazione 3D evidenzia come il MEM modelli la relazione tra:</a:t>
-            </a:r>
-          </a:p>
-          <a:p>
-            <a:r>
-              <a:t>- Le componenti di stile (IN_OUT, C_SHAPE, TRANS)</a:t>
-            </a:r>
-          </a:p>
-          <a:p>
-            <a:r>
-              <a:t>- La componente di tracciato (TRACK)</a:t>
+              <a:t>Osservazioni:</a:t>
+            </a:r>
+          </a:p>
+          <a:p>
+            <a:r>
+              <a:t>- Ogni cluster ha una relazione lineare distinta con TRACK</a:t>
+            </a:r>
+          </a:p>
+          <a:p>
+            <a:r>
+              <a:t>- Le pendenze diverse indicano che gli stili reagiscono diversamente ai tracciati</a:t>
+            </a:r>
+          </a:p>
+          <a:p>
+            <a:r>
+              <a:t>- Cluster 2 (rosso): pendenza positiva marcata</a:t>
+            </a:r>
+          </a:p>
+          <a:p>
+            <a:r>
+              <a:t>- Cluster 4 (blu): pendenza negativa</a:t>
+            </a:r>
+          </a:p>
+          <a:p>
+            <a:r>
+              <a:t>- Cluster 1 e 3: pendenze intermedie</a:t>
             </a:r>
           </a:p>
           <a:p>
@@ -2717,12 +2854,12 @@
           </a:p>
           <a:p>
             <a:r>
-              <a:t>I piani di regressione paralleli ma distinti confermano che i 4 cluster</a:t>
-            </a:r>
-          </a:p>
-          <a:p>
-            <a:r>
-              <a:t>rappresentano stili di guida diversi che si adattano ai circuiti in modo differente.</a:t>
+              <a:t>Questo conferma che il modello MEM riesce a separare gli stili di guida</a:t>
+            </a:r>
+          </a:p>
+          <a:p>
+            <a:r>
+              <a:t>controllando per l'effetto della pista.</a:t>
             </a:r>
           </a:p>
           <a:p>
@@ -2803,7 +2940,7 @@
           </a:p>
           <a:p>
             <a:r>
-              <a:t>Interpretazione dei risultati:</a:t>
+              <a:t>Visualizzazione 3D del modello MEM:</a:t>
             </a:r>
           </a:p>
           <a:p>
@@ -2811,27 +2948,17 @@
           </a:p>
           <a:p>
             <a:r>
-              <a:t>Successi:</a:t>
-            </a:r>
-          </a:p>
-          <a:p>
-            <a:r>
-              <a:t>- I cluster identificati corrispondono a stili di guida osservabili nella realtà</a:t>
-            </a:r>
-          </a:p>
-          <a:p>
-            <a:r>
-              <a:t>- Cluster 2 (Verstappen, Leclerc): noto stile aggressivo a "V"</a:t>
-            </a:r>
-          </a:p>
-          <a:p>
-            <a:r>
-              <a:t>- Cluster 4 (Norris, Russell): noto stile fluido e composto</a:t>
-            </a:r>
-          </a:p>
-          <a:p>
-            <a:r>
-              <a:t>- Risultati coerenti con analisi di esperti F1</a:t>
+              <a:t>Questo grafico mostra:</a:t>
+            </a:r>
+          </a:p>
+          <a:p>
+            <a:r>
+              <a:t>- Punti: osservazioni colorate per cluster</a:t>
+            </a:r>
+          </a:p>
+          <a:p>
+            <a:r>
+              <a:t>- Linee: piani di regressione per ciascun cluster</a:t>
             </a:r>
           </a:p>
           <a:p>
@@ -2839,17 +2966,17 @@
           </a:p>
           <a:p>
             <a:r>
-              <a:t>Limitazioni:</a:t>
-            </a:r>
-          </a:p>
-          <a:p>
-            <a:r>
-              <a:t>- Forte dipendenza dalla geometria del tracciato</a:t>
-            </a:r>
-          </a:p>
-          <a:p>
-            <a:r>
-              <a:t>- Anche con MEM, l'effetto pista non è completamente eliminato</a:t>
+              <a:t>La visualizzazione 3D evidenzia come il MEM modelli la relazione tra:</a:t>
+            </a:r>
+          </a:p>
+          <a:p>
+            <a:r>
+              <a:t>- Le componenti di stile (IN_OUT, C_SHAPE, TRANS)</a:t>
+            </a:r>
+          </a:p>
+          <a:p>
+            <a:r>
+              <a:t>- La componente di tracciato (TRACK)</a:t>
             </a:r>
           </a:p>
           <a:p>
@@ -2857,65 +2984,12 @@
           </a:p>
           <a:p>
             <a:r>
-              <a:t>Possibili cause:</a:t>
-            </a:r>
-          </a:p>
-          <a:p>
-            <a:r>
-              <a:t>1. Le variabili utilizzate potrebbero non essere sufficientemente discriminanti</a:t>
-            </a:r>
-          </a:p>
-          <a:p>
-            <a:r>
-              <a:t>   - Potrebbero servire: punti di staccata, angolo sterzo, traiettorie</a:t>
-            </a:r>
-          </a:p>
-          <a:p>
-            <a:r>
-              <a:t>2. I piloti potrebbero adattarsi ai circuiti più che mantenere uno stile fisso</a:t>
-            </a:r>
-          </a:p>
-          <a:p>
-            <a:r>
-              <a:t>   - L'adattamento al tracciato potrebbe essere parte integrante dello "stile"</a:t>
-            </a:r>
-          </a:p>
-          <a:p>
-            <a:endParaRPr/>
-          </a:p>
-          <a:p>
-            <a:r>
-              <a:t>Distribuzione piloti nei cluster (esempi):</a:t>
-            </a:r>
-          </a:p>
-          <a:p>
-            <a:r>
-              <a:t>- Bearman: 8 giri Cluster 1, 4 Cluster 2, 1 Cluster 3, 10 Cluster 4</a:t>
-            </a:r>
-          </a:p>
-          <a:p>
-            <a:r>
-              <a:t>- Colapinto: 9 Cluster 1, 2 Cluster 2, 2 Cluster 3, 5 Cluster 4</a:t>
-            </a:r>
-          </a:p>
-          <a:p>
-            <a:r>
-              <a:t>- Leclerc: 9 Cluster 1, 3 Cluster 2, 1 Cluster 3, 11 Cluster 4</a:t>
-            </a:r>
-          </a:p>
-          <a:p>
-            <a:r>
-              <a:t>- Norris: 9 Cluster 1, 4 Cluster 2, 1 Cluster 3, 10 Cluster 4</a:t>
-            </a:r>
-          </a:p>
-          <a:p>
-            <a:r>
-              <a:t>- Russell: 9 Cluster 1, 3 Cluster 2, 1 Cluster 3, 10 Cluster 4</a:t>
-            </a:r>
-          </a:p>
-          <a:p>
-            <a:r>
-              <a:t>- Verstappen: 8 Cluster 1, 3 Cluster 2, 3 Cluster 3, 10 Cluster 4</a:t>
+              <a:t>I piani di regressione paralleli ma distinti confermano che i 4 cluster</a:t>
+            </a:r>
+          </a:p>
+          <a:p>
+            <a:r>
+              <a:t>rappresentano stili di guida diversi che si adattano ai circuiti in modo differente.</a:t>
             </a:r>
           </a:p>
           <a:p>
@@ -3071,6 +3145,199 @@
 </file>
 
 <file path=ppt/notesSlides/notesSlide20.xml><?xml version="1.0" encoding="utf-8"?>
+<p:notes xmlns:a="http://schemas.openxmlformats.org/drawingml/2006/main" xmlns:r="http://schemas.openxmlformats.org/officeDocument/2006/relationships" xmlns:p="http://schemas.openxmlformats.org/presentationml/2006/main">
+  <p:cSld>
+    <p:spTree>
+      <p:nvGrpSpPr>
+        <p:cNvPr id="1" name=""/>
+        <p:cNvGrpSpPr/>
+        <p:nvPr/>
+      </p:nvGrpSpPr>
+      <p:grpSpPr>
+        <a:xfrm>
+          <a:off x="0" y="0"/>
+          <a:ext cx="0" cy="0"/>
+          <a:chOff x="0" y="0"/>
+          <a:chExt cx="0" cy="0"/>
+        </a:xfrm>
+      </p:grpSpPr>
+      <p:sp>
+        <p:nvSpPr>
+          <p:cNvPr id="2" name="Slide Image Placeholder 1"/>
+          <p:cNvSpPr>
+            <a:spLocks noGrp="1" noRot="1" noChangeAspect="1"/>
+          </p:cNvSpPr>
+          <p:nvPr>
+            <p:ph type="sldImg" idx="2"/>
+          </p:nvPr>
+        </p:nvSpPr>
+        <p:spPr>
+          <a:xfrm>
+            <a:off x="685800" y="1143000"/>
+            <a:ext cx="5486400" cy="3086100"/>
+          </a:xfrm>
+        </p:spPr>
+      </p:sp>
+      <p:sp>
+        <p:nvSpPr>
+          <p:cNvPr id="3" name="Notes Placeholder 2"/>
+          <p:cNvSpPr>
+            <a:spLocks noGrp="1"/>
+          </p:cNvSpPr>
+          <p:nvPr>
+            <p:ph type="body" sz="quarter" idx="3"/>
+          </p:nvPr>
+        </p:nvSpPr>
+        <p:spPr/>
+        <p:txBody>
+          <a:bodyPr/>
+          <a:lstStyle/>
+          <a:p>
+            <a:endParaRPr/>
+          </a:p>
+          <a:p>
+            <a:r>
+              <a:t>Interpretazione dei risultati:</a:t>
+            </a:r>
+          </a:p>
+          <a:p>
+            <a:endParaRPr/>
+          </a:p>
+          <a:p>
+            <a:r>
+              <a:t>Successi:</a:t>
+            </a:r>
+          </a:p>
+          <a:p>
+            <a:r>
+              <a:t>- I cluster identificati corrispondono a stili di guida osservabili nella realtà</a:t>
+            </a:r>
+          </a:p>
+          <a:p>
+            <a:r>
+              <a:t>- Cluster 2 (Verstappen, Leclerc): noto stile aggressivo a "V"</a:t>
+            </a:r>
+          </a:p>
+          <a:p>
+            <a:r>
+              <a:t>- Cluster 4 (Norris, Russell): noto stile fluido e composto</a:t>
+            </a:r>
+          </a:p>
+          <a:p>
+            <a:r>
+              <a:t>- Risultati coerenti con analisi di esperti F1</a:t>
+            </a:r>
+          </a:p>
+          <a:p>
+            <a:endParaRPr/>
+          </a:p>
+          <a:p>
+            <a:r>
+              <a:t>Limitazioni:</a:t>
+            </a:r>
+          </a:p>
+          <a:p>
+            <a:r>
+              <a:t>- Forte dipendenza dalla geometria del tracciato</a:t>
+            </a:r>
+          </a:p>
+          <a:p>
+            <a:r>
+              <a:t>- Anche con MEM, l'effetto pista non è completamente eliminato</a:t>
+            </a:r>
+          </a:p>
+          <a:p>
+            <a:endParaRPr/>
+          </a:p>
+          <a:p>
+            <a:r>
+              <a:t>Possibili cause:</a:t>
+            </a:r>
+          </a:p>
+          <a:p>
+            <a:r>
+              <a:t>1. Le variabili utilizzate potrebbero non essere sufficientemente discriminanti</a:t>
+            </a:r>
+          </a:p>
+          <a:p>
+            <a:r>
+              <a:t>   - Potrebbero servire: punti di staccata, angolo sterzo, traiettorie</a:t>
+            </a:r>
+          </a:p>
+          <a:p>
+            <a:r>
+              <a:t>2. I piloti potrebbero adattarsi ai circuiti più che mantenere uno stile fisso</a:t>
+            </a:r>
+          </a:p>
+          <a:p>
+            <a:r>
+              <a:t>   - L'adattamento al tracciato potrebbe essere parte integrante dello "stile"</a:t>
+            </a:r>
+          </a:p>
+          <a:p>
+            <a:endParaRPr/>
+          </a:p>
+          <a:p>
+            <a:r>
+              <a:t>Distribuzione piloti nei cluster (esempi):</a:t>
+            </a:r>
+          </a:p>
+          <a:p>
+            <a:r>
+              <a:t>- Bearman: 8 giri Cluster 1, 4 Cluster 2, 1 Cluster 3, 10 Cluster 4</a:t>
+            </a:r>
+          </a:p>
+          <a:p>
+            <a:r>
+              <a:t>- Colapinto: 9 Cluster 1, 2 Cluster 2, 2 Cluster 3, 5 Cluster 4</a:t>
+            </a:r>
+          </a:p>
+          <a:p>
+            <a:r>
+              <a:t>- Leclerc: 9 Cluster 1, 3 Cluster 2, 1 Cluster 3, 11 Cluster 4</a:t>
+            </a:r>
+          </a:p>
+          <a:p>
+            <a:r>
+              <a:t>- Norris: 9 Cluster 1, 4 Cluster 2, 1 Cluster 3, 10 Cluster 4</a:t>
+            </a:r>
+          </a:p>
+          <a:p>
+            <a:r>
+              <a:t>- Russell: 9 Cluster 1, 3 Cluster 2, 1 Cluster 3, 10 Cluster 4</a:t>
+            </a:r>
+          </a:p>
+          <a:p>
+            <a:r>
+              <a:t>- Verstappen: 8 Cluster 1, 3 Cluster 2, 3 Cluster 3, 10 Cluster 4</a:t>
+            </a:r>
+          </a:p>
+          <a:p>
+            <a:endParaRPr/>
+          </a:p>
+        </p:txBody>
+      </p:sp>
+      <p:sp>
+        <p:nvSpPr>
+          <p:cNvPr id="4" name="Slide Number Placeholder 3"/>
+          <p:cNvSpPr>
+            <a:spLocks noGrp="1"/>
+          </p:cNvSpPr>
+          <p:nvPr>
+            <p:ph type="sldNum" sz="quarter" idx="5"/>
+          </p:nvPr>
+        </p:nvSpPr>
+        <p:spPr/>
+      </p:sp>
+    </p:spTree>
+  </p:cSld>
+  <p:clrMapOvr>
+    <a:masterClrMapping/>
+  </p:clrMapOvr>
+</p:notes>
+</file>
+
+<file path=ppt/notesSlides/notesSlide21.xml><?xml version="1.0" encoding="utf-8"?>
 <p:notes xmlns:a="http://schemas.openxmlformats.org/drawingml/2006/main" xmlns:r="http://schemas.openxmlformats.org/officeDocument/2006/relationships" xmlns:p="http://schemas.openxmlformats.org/presentationml/2006/main">
   <p:cSld>
     <p:spTree>
@@ -11514,8 +11781,8 @@
         </p:nvSpPr>
         <p:spPr>
           <a:xfrm>
-            <a:off x="4948090" y="6400801"/>
-            <a:ext cx="2295820" cy="307777"/>
+            <a:off x="4907212" y="6400801"/>
+            <a:ext cx="2377574" cy="307777"/>
           </a:xfrm>
           <a:prstGeom prst="rect">
             <a:avLst/>
@@ -11551,6 +11818,19 @@
               </a:rPr>
               <a:t> VII - BIC = -7108.435</a:t>
             </a:r>
+            <a:r>
+              <a:rPr lang="it-IT" sz="1400" dirty="0">
+                <a:solidFill>
+                  <a:schemeClr val="bg1"/>
+                </a:solidFill>
+              </a:rPr>
+              <a:t> </a:t>
+            </a:r>
+            <a:endParaRPr sz="1400" dirty="0">
+              <a:solidFill>
+                <a:schemeClr val="bg1"/>
+              </a:solidFill>
+            </a:endParaRPr>
           </a:p>
         </p:txBody>
       </p:sp>
@@ -12182,7 +12462,7 @@
           <p:nvPr>
             <p:extLst>
               <p:ext uri="{D42A27DB-BD31-4B8C-83A1-F6EECF244321}">
-                <p14:modId xmlns:p14="http://schemas.microsoft.com/office/powerpoint/2010/main" val="644643266"/>
+                <p14:modId xmlns:p14="http://schemas.microsoft.com/office/powerpoint/2010/main" val="1531382543"/>
               </p:ext>
             </p:extLst>
           </p:nvPr>
@@ -12473,7 +12753,7 @@
                     <a:bodyPr/>
                     <a:lstStyle/>
                     <a:p>
-                      <a:pPr algn="r" fontAlgn="b">
+                      <a:pPr algn="ctr" fontAlgn="b">
                         <a:buNone/>
                       </a:pPr>
                       <a:r>
@@ -12513,7 +12793,7 @@
                     <a:bodyPr/>
                     <a:lstStyle/>
                     <a:p>
-                      <a:pPr algn="r" fontAlgn="b">
+                      <a:pPr algn="ctr" fontAlgn="b">
                         <a:buNone/>
                       </a:pPr>
                       <a:r>
@@ -12553,7 +12833,7 @@
                     <a:bodyPr/>
                     <a:lstStyle/>
                     <a:p>
-                      <a:pPr algn="r" fontAlgn="b">
+                      <a:pPr algn="ctr" fontAlgn="b">
                         <a:buNone/>
                       </a:pPr>
                       <a:r>
@@ -12593,7 +12873,7 @@
                     <a:bodyPr/>
                     <a:lstStyle/>
                     <a:p>
-                      <a:pPr algn="r" fontAlgn="b">
+                      <a:pPr algn="ctr" fontAlgn="b">
                         <a:buNone/>
                       </a:pPr>
                       <a:r>
@@ -12633,7 +12913,7 @@
                     <a:bodyPr/>
                     <a:lstStyle/>
                     <a:p>
-                      <a:pPr algn="r" fontAlgn="b">
+                      <a:pPr algn="ctr" fontAlgn="b">
                         <a:buNone/>
                       </a:pPr>
                       <a:r>
@@ -12680,7 +12960,7 @@
                     <a:bodyPr/>
                     <a:lstStyle/>
                     <a:p>
-                      <a:pPr algn="r" fontAlgn="b">
+                      <a:pPr algn="ctr" fontAlgn="b">
                         <a:buNone/>
                       </a:pPr>
                       <a:r>
@@ -12720,7 +13000,7 @@
                     <a:bodyPr/>
                     <a:lstStyle/>
                     <a:p>
-                      <a:pPr algn="r" fontAlgn="b">
+                      <a:pPr algn="ctr" fontAlgn="b">
                         <a:buNone/>
                       </a:pPr>
                       <a:r>
@@ -12760,7 +13040,7 @@
                     <a:bodyPr/>
                     <a:lstStyle/>
                     <a:p>
-                      <a:pPr algn="r" fontAlgn="b">
+                      <a:pPr algn="ctr" fontAlgn="b">
                         <a:buNone/>
                       </a:pPr>
                       <a:r>
@@ -12800,7 +13080,7 @@
                     <a:bodyPr/>
                     <a:lstStyle/>
                     <a:p>
-                      <a:pPr algn="r" fontAlgn="b">
+                      <a:pPr algn="ctr" fontAlgn="b">
                         <a:buNone/>
                       </a:pPr>
                       <a:r>
@@ -12840,7 +13120,7 @@
                     <a:bodyPr/>
                     <a:lstStyle/>
                     <a:p>
-                      <a:pPr algn="r" fontAlgn="b">
+                      <a:pPr algn="ctr" fontAlgn="b">
                         <a:buNone/>
                       </a:pPr>
                       <a:r>
@@ -12887,7 +13167,7 @@
                     <a:bodyPr/>
                     <a:lstStyle/>
                     <a:p>
-                      <a:pPr algn="r" fontAlgn="b">
+                      <a:pPr algn="ctr" fontAlgn="b">
                         <a:buNone/>
                       </a:pPr>
                       <a:r>
@@ -12927,7 +13207,7 @@
                     <a:bodyPr/>
                     <a:lstStyle/>
                     <a:p>
-                      <a:pPr algn="r" fontAlgn="b">
+                      <a:pPr algn="ctr" fontAlgn="b">
                         <a:buNone/>
                       </a:pPr>
                       <a:r>
@@ -12967,7 +13247,7 @@
                     <a:bodyPr/>
                     <a:lstStyle/>
                     <a:p>
-                      <a:pPr algn="r" fontAlgn="b">
+                      <a:pPr algn="ctr" fontAlgn="b">
                         <a:buNone/>
                       </a:pPr>
                       <a:r>
@@ -13007,7 +13287,7 @@
                     <a:bodyPr/>
                     <a:lstStyle/>
                     <a:p>
-                      <a:pPr algn="r" fontAlgn="b">
+                      <a:pPr algn="ctr" fontAlgn="b">
                         <a:buNone/>
                       </a:pPr>
                       <a:r>
@@ -13047,7 +13327,7 @@
                     <a:bodyPr/>
                     <a:lstStyle/>
                     <a:p>
-                      <a:pPr algn="r" fontAlgn="b">
+                      <a:pPr algn="ctr" fontAlgn="b">
                         <a:buNone/>
                       </a:pPr>
                       <a:r>
@@ -13094,7 +13374,7 @@
                     <a:bodyPr/>
                     <a:lstStyle/>
                     <a:p>
-                      <a:pPr algn="r" fontAlgn="b">
+                      <a:pPr algn="ctr" fontAlgn="b">
                         <a:buNone/>
                       </a:pPr>
                       <a:r>
@@ -13134,7 +13414,7 @@
                     <a:bodyPr/>
                     <a:lstStyle/>
                     <a:p>
-                      <a:pPr algn="r" fontAlgn="b">
+                      <a:pPr algn="ctr" fontAlgn="b">
                         <a:buNone/>
                       </a:pPr>
                       <a:r>
@@ -13174,7 +13454,7 @@
                     <a:bodyPr/>
                     <a:lstStyle/>
                     <a:p>
-                      <a:pPr algn="r" fontAlgn="b">
+                      <a:pPr algn="ctr" fontAlgn="b">
                         <a:buNone/>
                       </a:pPr>
                       <a:r>
@@ -13214,7 +13494,7 @@
                     <a:bodyPr/>
                     <a:lstStyle/>
                     <a:p>
-                      <a:pPr algn="r" fontAlgn="b">
+                      <a:pPr algn="ctr" fontAlgn="b">
                         <a:buNone/>
                       </a:pPr>
                       <a:r>
@@ -13254,7 +13534,7 @@
                     <a:bodyPr/>
                     <a:lstStyle/>
                     <a:p>
-                      <a:pPr algn="r" fontAlgn="b">
+                      <a:pPr algn="ctr" fontAlgn="b">
                         <a:buNone/>
                       </a:pPr>
                       <a:r>
@@ -13301,7 +13581,7 @@
                     <a:bodyPr/>
                     <a:lstStyle/>
                     <a:p>
-                      <a:pPr algn="r" fontAlgn="b">
+                      <a:pPr algn="ctr" fontAlgn="b">
                         <a:buNone/>
                       </a:pPr>
                       <a:r>
@@ -13341,7 +13621,7 @@
                     <a:bodyPr/>
                     <a:lstStyle/>
                     <a:p>
-                      <a:pPr algn="r" fontAlgn="b">
+                      <a:pPr algn="ctr" fontAlgn="b">
                         <a:buNone/>
                       </a:pPr>
                       <a:r>
@@ -13381,7 +13661,7 @@
                     <a:bodyPr/>
                     <a:lstStyle/>
                     <a:p>
-                      <a:pPr algn="r" fontAlgn="b">
+                      <a:pPr algn="ctr" fontAlgn="b">
                         <a:buNone/>
                       </a:pPr>
                       <a:r>
@@ -13421,7 +13701,7 @@
                     <a:bodyPr/>
                     <a:lstStyle/>
                     <a:p>
-                      <a:pPr algn="r" fontAlgn="b">
+                      <a:pPr algn="ctr" fontAlgn="b">
                         <a:buNone/>
                       </a:pPr>
                       <a:r>
@@ -13461,7 +13741,7 @@
                     <a:bodyPr/>
                     <a:lstStyle/>
                     <a:p>
-                      <a:pPr algn="r" fontAlgn="b">
+                      <a:pPr algn="ctr" fontAlgn="b">
                         <a:buNone/>
                       </a:pPr>
                       <a:r>
@@ -13508,7 +13788,7 @@
                     <a:bodyPr/>
                     <a:lstStyle/>
                     <a:p>
-                      <a:pPr algn="r" fontAlgn="b">
+                      <a:pPr algn="ctr" fontAlgn="b">
                         <a:buNone/>
                       </a:pPr>
                       <a:r>
@@ -13548,7 +13828,7 @@
                     <a:bodyPr/>
                     <a:lstStyle/>
                     <a:p>
-                      <a:pPr algn="r" fontAlgn="b">
+                      <a:pPr algn="ctr" fontAlgn="b">
                         <a:buNone/>
                       </a:pPr>
                       <a:r>
@@ -13588,7 +13868,7 @@
                     <a:bodyPr/>
                     <a:lstStyle/>
                     <a:p>
-                      <a:pPr algn="r" fontAlgn="b">
+                      <a:pPr algn="ctr" fontAlgn="b">
                         <a:buNone/>
                       </a:pPr>
                       <a:r>
@@ -13628,7 +13908,7 @@
                     <a:bodyPr/>
                     <a:lstStyle/>
                     <a:p>
-                      <a:pPr algn="r" fontAlgn="b">
+                      <a:pPr algn="ctr" fontAlgn="b">
                         <a:buNone/>
                       </a:pPr>
                       <a:r>
@@ -13668,7 +13948,7 @@
                     <a:bodyPr/>
                     <a:lstStyle/>
                     <a:p>
-                      <a:pPr algn="r" fontAlgn="b">
+                      <a:pPr algn="ctr" fontAlgn="b">
                         <a:buNone/>
                       </a:pPr>
                       <a:r>
@@ -13715,7 +13995,7 @@
                     <a:bodyPr/>
                     <a:lstStyle/>
                     <a:p>
-                      <a:pPr algn="r" fontAlgn="b">
+                      <a:pPr algn="ctr" fontAlgn="b">
                         <a:buNone/>
                       </a:pPr>
                       <a:r>
@@ -13755,7 +14035,7 @@
                     <a:bodyPr/>
                     <a:lstStyle/>
                     <a:p>
-                      <a:pPr algn="r" fontAlgn="b">
+                      <a:pPr algn="ctr" fontAlgn="b">
                         <a:buNone/>
                       </a:pPr>
                       <a:r>
@@ -13795,7 +14075,7 @@
                     <a:bodyPr/>
                     <a:lstStyle/>
                     <a:p>
-                      <a:pPr algn="r" fontAlgn="b">
+                      <a:pPr algn="ctr" fontAlgn="b">
                         <a:buNone/>
                       </a:pPr>
                       <a:r>
@@ -13835,7 +14115,7 @@
                     <a:bodyPr/>
                     <a:lstStyle/>
                     <a:p>
-                      <a:pPr algn="r" fontAlgn="b">
+                      <a:pPr algn="ctr" fontAlgn="b">
                         <a:buNone/>
                       </a:pPr>
                       <a:r>
@@ -13875,7 +14155,7 @@
                     <a:bodyPr/>
                     <a:lstStyle/>
                     <a:p>
-                      <a:pPr algn="r" fontAlgn="b">
+                      <a:pPr algn="ctr" fontAlgn="b">
                         <a:buNone/>
                       </a:pPr>
                       <a:r>
@@ -13922,7 +14202,7 @@
                     <a:bodyPr/>
                     <a:lstStyle/>
                     <a:p>
-                      <a:pPr algn="r" fontAlgn="b">
+                      <a:pPr algn="ctr" fontAlgn="b">
                         <a:buNone/>
                       </a:pPr>
                       <a:r>
@@ -13962,7 +14242,7 @@
                     <a:bodyPr/>
                     <a:lstStyle/>
                     <a:p>
-                      <a:pPr algn="r" fontAlgn="b">
+                      <a:pPr algn="ctr" fontAlgn="b">
                         <a:buNone/>
                       </a:pPr>
                       <a:r>
@@ -14002,7 +14282,7 @@
                     <a:bodyPr/>
                     <a:lstStyle/>
                     <a:p>
-                      <a:pPr algn="r" fontAlgn="b">
+                      <a:pPr algn="ctr" fontAlgn="b">
                         <a:buNone/>
                       </a:pPr>
                       <a:r>
@@ -14042,7 +14322,7 @@
                     <a:bodyPr/>
                     <a:lstStyle/>
                     <a:p>
-                      <a:pPr algn="r" fontAlgn="b">
+                      <a:pPr algn="ctr" fontAlgn="b">
                         <a:buNone/>
                       </a:pPr>
                       <a:r>
@@ -14082,7 +14362,7 @@
                     <a:bodyPr/>
                     <a:lstStyle/>
                     <a:p>
-                      <a:pPr algn="r" fontAlgn="b">
+                      <a:pPr algn="ctr" fontAlgn="b">
                         <a:buNone/>
                       </a:pPr>
                       <a:r>
@@ -14129,7 +14409,7 @@
                     <a:bodyPr/>
                     <a:lstStyle/>
                     <a:p>
-                      <a:pPr algn="r" fontAlgn="b">
+                      <a:pPr algn="ctr" fontAlgn="b">
                         <a:buNone/>
                       </a:pPr>
                       <a:r>
@@ -14169,7 +14449,7 @@
                     <a:bodyPr/>
                     <a:lstStyle/>
                     <a:p>
-                      <a:pPr algn="r" fontAlgn="b">
+                      <a:pPr algn="ctr" fontAlgn="b">
                         <a:buNone/>
                       </a:pPr>
                       <a:r>
@@ -14209,7 +14489,7 @@
                     <a:bodyPr/>
                     <a:lstStyle/>
                     <a:p>
-                      <a:pPr algn="r" fontAlgn="b">
+                      <a:pPr algn="ctr" fontAlgn="b">
                         <a:buNone/>
                       </a:pPr>
                       <a:r>
@@ -14249,7 +14529,7 @@
                     <a:bodyPr/>
                     <a:lstStyle/>
                     <a:p>
-                      <a:pPr algn="r" fontAlgn="b">
+                      <a:pPr algn="ctr" fontAlgn="b">
                         <a:buNone/>
                       </a:pPr>
                       <a:r>
@@ -14289,7 +14569,7 @@
                     <a:bodyPr/>
                     <a:lstStyle/>
                     <a:p>
-                      <a:pPr algn="r" fontAlgn="b">
+                      <a:pPr algn="ctr" fontAlgn="b">
                         <a:buNone/>
                       </a:pPr>
                       <a:r>
@@ -14336,7 +14616,7 @@
                     <a:bodyPr/>
                     <a:lstStyle/>
                     <a:p>
-                      <a:pPr algn="r" fontAlgn="b">
+                      <a:pPr algn="ctr" fontAlgn="b">
                         <a:buNone/>
                       </a:pPr>
                       <a:r>
@@ -14376,7 +14656,7 @@
                     <a:bodyPr/>
                     <a:lstStyle/>
                     <a:p>
-                      <a:pPr algn="r" fontAlgn="b">
+                      <a:pPr algn="ctr" fontAlgn="b">
                         <a:buNone/>
                       </a:pPr>
                       <a:r>
@@ -14416,7 +14696,7 @@
                     <a:bodyPr/>
                     <a:lstStyle/>
                     <a:p>
-                      <a:pPr algn="r" fontAlgn="b">
+                      <a:pPr algn="ctr" fontAlgn="b">
                         <a:buNone/>
                       </a:pPr>
                       <a:r>
@@ -14456,7 +14736,7 @@
                     <a:bodyPr/>
                     <a:lstStyle/>
                     <a:p>
-                      <a:pPr algn="r" fontAlgn="b">
+                      <a:pPr algn="ctr" fontAlgn="b">
                         <a:buNone/>
                       </a:pPr>
                       <a:r>
@@ -14496,7 +14776,7 @@
                     <a:bodyPr/>
                     <a:lstStyle/>
                     <a:p>
-                      <a:pPr algn="r" fontAlgn="b">
+                      <a:pPr algn="ctr" fontAlgn="b">
                         <a:buNone/>
                       </a:pPr>
                       <a:r>
@@ -14543,7 +14823,7 @@
                     <a:bodyPr/>
                     <a:lstStyle/>
                     <a:p>
-                      <a:pPr algn="r" fontAlgn="b">
+                      <a:pPr algn="ctr" fontAlgn="b">
                         <a:buNone/>
                       </a:pPr>
                       <a:r>
@@ -14583,7 +14863,7 @@
                     <a:bodyPr/>
                     <a:lstStyle/>
                     <a:p>
-                      <a:pPr algn="r" fontAlgn="b">
+                      <a:pPr algn="ctr" fontAlgn="b">
                         <a:buNone/>
                       </a:pPr>
                       <a:r>
@@ -14623,7 +14903,7 @@
                     <a:bodyPr/>
                     <a:lstStyle/>
                     <a:p>
-                      <a:pPr algn="r" fontAlgn="b">
+                      <a:pPr algn="ctr" fontAlgn="b">
                         <a:buNone/>
                       </a:pPr>
                       <a:r>
@@ -14663,7 +14943,7 @@
                     <a:bodyPr/>
                     <a:lstStyle/>
                     <a:p>
-                      <a:pPr algn="r" fontAlgn="b">
+                      <a:pPr algn="ctr" fontAlgn="b">
                         <a:buNone/>
                       </a:pPr>
                       <a:r>
@@ -14703,7 +14983,7 @@
                     <a:bodyPr/>
                     <a:lstStyle/>
                     <a:p>
-                      <a:pPr algn="r" fontAlgn="b">
+                      <a:pPr algn="ctr" fontAlgn="b">
                         <a:buNone/>
                       </a:pPr>
                       <a:r>
@@ -14750,7 +15030,7 @@
                     <a:bodyPr/>
                     <a:lstStyle/>
                     <a:p>
-                      <a:pPr algn="r" fontAlgn="b">
+                      <a:pPr algn="ctr" fontAlgn="b">
                         <a:buNone/>
                       </a:pPr>
                       <a:r>
@@ -14790,7 +15070,7 @@
                     <a:bodyPr/>
                     <a:lstStyle/>
                     <a:p>
-                      <a:pPr algn="r" fontAlgn="b">
+                      <a:pPr algn="ctr" fontAlgn="b">
                         <a:buNone/>
                       </a:pPr>
                       <a:r>
@@ -14830,7 +15110,7 @@
                     <a:bodyPr/>
                     <a:lstStyle/>
                     <a:p>
-                      <a:pPr algn="r" fontAlgn="b">
+                      <a:pPr algn="ctr" fontAlgn="b">
                         <a:buNone/>
                       </a:pPr>
                       <a:r>
@@ -14870,7 +15150,7 @@
                     <a:bodyPr/>
                     <a:lstStyle/>
                     <a:p>
-                      <a:pPr algn="r" fontAlgn="b">
+                      <a:pPr algn="ctr" fontAlgn="b">
                         <a:buNone/>
                       </a:pPr>
                       <a:r>
@@ -14910,7 +15190,7 @@
                     <a:bodyPr/>
                     <a:lstStyle/>
                     <a:p>
-                      <a:pPr algn="r" fontAlgn="b">
+                      <a:pPr algn="ctr" fontAlgn="b">
                         <a:buNone/>
                       </a:pPr>
                       <a:r>
@@ -14957,7 +15237,7 @@
                     <a:bodyPr/>
                     <a:lstStyle/>
                     <a:p>
-                      <a:pPr algn="r" fontAlgn="b">
+                      <a:pPr algn="ctr" fontAlgn="b">
                         <a:buNone/>
                       </a:pPr>
                       <a:r>
@@ -14997,7 +15277,7 @@
                     <a:bodyPr/>
                     <a:lstStyle/>
                     <a:p>
-                      <a:pPr algn="r" fontAlgn="b">
+                      <a:pPr algn="ctr" fontAlgn="b">
                         <a:buNone/>
                       </a:pPr>
                       <a:r>
@@ -15037,7 +15317,7 @@
                     <a:bodyPr/>
                     <a:lstStyle/>
                     <a:p>
-                      <a:pPr algn="r" fontAlgn="b">
+                      <a:pPr algn="ctr" fontAlgn="b">
                         <a:buNone/>
                       </a:pPr>
                       <a:r>
@@ -15077,7 +15357,7 @@
                     <a:bodyPr/>
                     <a:lstStyle/>
                     <a:p>
-                      <a:pPr algn="r" fontAlgn="b">
+                      <a:pPr algn="ctr" fontAlgn="b">
                         <a:buNone/>
                       </a:pPr>
                       <a:r>
@@ -15117,7 +15397,7 @@
                     <a:bodyPr/>
                     <a:lstStyle/>
                     <a:p>
-                      <a:pPr algn="r" fontAlgn="b">
+                      <a:pPr algn="ctr" fontAlgn="b">
                         <a:buNone/>
                       </a:pPr>
                       <a:r>
@@ -15741,7 +16021,13 @@
   <p:cSld>
     <p:spTree>
       <p:nvGrpSpPr>
-        <p:cNvPr id="1" name=""/>
+        <p:cNvPr id="1" name="">
+          <a:extLst>
+            <a:ext uri="{FF2B5EF4-FFF2-40B4-BE49-F238E27FC236}">
+              <a16:creationId xmlns:a16="http://schemas.microsoft.com/office/drawing/2014/main" id="{DA804FDE-07A2-BD17-32C0-8C4DD5FECBAF}"/>
+            </a:ext>
+          </a:extLst>
+        </p:cNvPr>
         <p:cNvGrpSpPr/>
         <p:nvPr/>
       </p:nvGrpSpPr>
@@ -15755,14 +16041,20 @@
       </p:grpSpPr>
       <p:sp>
         <p:nvSpPr>
-          <p:cNvPr id="2" name="Rectangle 1"/>
+          <p:cNvPr id="2" name="Rectangle 1">
+            <a:extLst>
+              <a:ext uri="{FF2B5EF4-FFF2-40B4-BE49-F238E27FC236}">
+                <a16:creationId xmlns:a16="http://schemas.microsoft.com/office/drawing/2014/main" id="{D043A3E7-EA1D-EE6A-26D7-4B847FD0CB3C}"/>
+              </a:ext>
+            </a:extLst>
+          </p:cNvPr>
           <p:cNvSpPr/>
           <p:nvPr/>
         </p:nvSpPr>
         <p:spPr>
           <a:xfrm>
             <a:off x="0" y="0"/>
-            <a:ext cx="12192000" cy="914400"/>
+            <a:ext cx="12192000" cy="1097280"/>
           </a:xfrm>
           <a:prstGeom prst="rect">
             <a:avLst/>
@@ -15799,14 +16091,20 @@
       </p:sp>
       <p:sp>
         <p:nvSpPr>
-          <p:cNvPr id="3" name="TextBox 2"/>
+          <p:cNvPr id="3" name="TextBox 2">
+            <a:extLst>
+              <a:ext uri="{FF2B5EF4-FFF2-40B4-BE49-F238E27FC236}">
+                <a16:creationId xmlns:a16="http://schemas.microsoft.com/office/drawing/2014/main" id="{00E2FBCD-83A4-5441-89F3-D3111B31FD71}"/>
+              </a:ext>
+            </a:extLst>
+          </p:cNvPr>
           <p:cNvSpPr txBox="1"/>
           <p:nvPr/>
         </p:nvSpPr>
         <p:spPr>
           <a:xfrm>
-            <a:off x="1981201" y="164813"/>
-            <a:ext cx="5199437" cy="584775"/>
+            <a:off x="1981201" y="225475"/>
+            <a:ext cx="6702091" cy="646331"/>
           </a:xfrm>
           <a:prstGeom prst="rect">
             <a:avLst/>
@@ -15820,118 +16118,28 @@
           <a:lstStyle/>
           <a:p>
             <a:pPr algn="l">
-              <a:defRPr sz="3200" b="1">
+              <a:defRPr sz="3600" b="1">
                 <a:solidFill>
                   <a:srgbClr val="FFFFFF"/>
                 </a:solidFill>
               </a:defRPr>
             </a:pPr>
             <a:r>
-              <a:rPr sz="3200" dirty="0"/>
-              <a:t>MEM: </a:t>
-            </a:r>
-            <a:r>
-              <a:rPr sz="3200" dirty="0" err="1"/>
-              <a:t>Regressioni</a:t>
-            </a:r>
-            <a:r>
-              <a:rPr sz="3200" dirty="0"/>
-              <a:t> per Cluster</a:t>
-            </a:r>
-          </a:p>
-        </p:txBody>
-      </p:sp>
-      <p:pic>
-        <p:nvPicPr>
-          <p:cNvPr id="4" name="Picture 3" descr="C1_C4_R_converted.png"/>
-          <p:cNvPicPr>
-            <a:picLocks noChangeAspect="1"/>
-          </p:cNvPicPr>
-          <p:nvPr/>
-        </p:nvPicPr>
-        <p:blipFill>
-          <a:blip r:embed="rId3"/>
-          <a:stretch>
-            <a:fillRect/>
-          </a:stretch>
-        </p:blipFill>
-        <p:spPr>
-          <a:xfrm>
-            <a:off x="2438400" y="1188720"/>
-            <a:ext cx="7040880" cy="5029200"/>
-          </a:xfrm>
-          <a:prstGeom prst="rect">
-            <a:avLst/>
-          </a:prstGeom>
-        </p:spPr>
-      </p:pic>
-      <p:sp>
-        <p:nvSpPr>
-          <p:cNvPr id="5" name="TextBox 4"/>
-          <p:cNvSpPr txBox="1"/>
-          <p:nvPr/>
-        </p:nvSpPr>
-        <p:spPr>
-          <a:xfrm>
-            <a:off x="4444362" y="6400801"/>
-            <a:ext cx="3303276" cy="307777"/>
-          </a:xfrm>
-          <a:prstGeom prst="rect">
-            <a:avLst/>
-          </a:prstGeom>
-          <a:noFill/>
-        </p:spPr>
-        <p:txBody>
-          <a:bodyPr wrap="none">
-            <a:spAutoFit/>
-          </a:bodyPr>
-          <a:lstStyle/>
-          <a:p>
-            <a:pPr algn="ctr">
-              <a:defRPr sz="1400" i="1">
-                <a:solidFill>
-                  <a:srgbClr val="1E1E1E"/>
-                </a:solidFill>
-              </a:defRPr>
-            </a:pPr>
-            <a:r>
-              <a:rPr sz="1400" dirty="0" err="1">
-                <a:solidFill>
-                  <a:schemeClr val="bg1"/>
-                </a:solidFill>
-              </a:rPr>
-              <a:t>Relazione</a:t>
-            </a:r>
-            <a:r>
-              <a:rPr sz="1400" dirty="0">
-                <a:solidFill>
-                  <a:schemeClr val="bg1"/>
-                </a:solidFill>
-              </a:rPr>
-              <a:t> TRACK vs C_SHAPE per </a:t>
-            </a:r>
-            <a:r>
-              <a:rPr sz="1400" dirty="0" err="1">
-                <a:solidFill>
-                  <a:schemeClr val="bg1"/>
-                </a:solidFill>
-              </a:rPr>
-              <a:t>i</a:t>
-            </a:r>
-            <a:r>
-              <a:rPr sz="1400" dirty="0">
-                <a:solidFill>
-                  <a:schemeClr val="bg1"/>
-                </a:solidFill>
-              </a:rPr>
-              <a:t> 4 cluster</a:t>
+              <a:rPr sz="3600"/>
+              <a:t>Mixture of Experts Models (MEM)</a:t>
             </a:r>
           </a:p>
         </p:txBody>
       </p:sp>
       <p:sp>
         <p:nvSpPr>
-          <p:cNvPr id="6" name="Rectangle 5"/>
+          <p:cNvPr id="5" name="Rectangle 4">
+            <a:extLst>
+              <a:ext uri="{FF2B5EF4-FFF2-40B4-BE49-F238E27FC236}">
+                <a16:creationId xmlns:a16="http://schemas.microsoft.com/office/drawing/2014/main" id="{4EF8031C-87D8-2624-891B-EEE504D7C514}"/>
+              </a:ext>
+            </a:extLst>
+          </p:cNvPr>
           <p:cNvSpPr/>
           <p:nvPr/>
         </p:nvSpPr>
@@ -15973,37 +16181,1315 @@
           </a:p>
         </p:txBody>
       </p:sp>
-      <p:pic>
-        <p:nvPicPr>
-          <p:cNvPr id="8" name="Immagine 7" descr="Immagine che contiene testo, diagramma, linea, schermata&#10;&#10;Il contenuto generato dall'IA potrebbe non essere corretto.">
+      <p:graphicFrame>
+        <p:nvGraphicFramePr>
+          <p:cNvPr id="4" name="Tabella 3">
             <a:extLst>
               <a:ext uri="{FF2B5EF4-FFF2-40B4-BE49-F238E27FC236}">
-                <a16:creationId xmlns:a16="http://schemas.microsoft.com/office/drawing/2014/main" id="{93E36CF1-F1E1-9F73-AEC2-BCC5BE040EB1}"/>
+                <a16:creationId xmlns:a16="http://schemas.microsoft.com/office/drawing/2014/main" id="{80E520A1-473E-8E80-62F7-F0575EE57215}"/>
               </a:ext>
             </a:extLst>
           </p:cNvPr>
-          <p:cNvPicPr>
-            <a:picLocks noChangeAspect="1"/>
-          </p:cNvPicPr>
-          <p:nvPr/>
-        </p:nvPicPr>
-        <p:blipFill>
-          <a:blip r:embed="rId4"/>
-          <a:stretch>
-            <a:fillRect/>
-          </a:stretch>
-        </p:blipFill>
-        <p:spPr>
-          <a:xfrm>
-            <a:off x="2438400" y="1130013"/>
-            <a:ext cx="7040880" cy="5092662"/>
-          </a:xfrm>
-          <a:prstGeom prst="rect">
-            <a:avLst/>
-          </a:prstGeom>
-        </p:spPr>
-      </p:pic>
+          <p:cNvGraphicFramePr>
+            <a:graphicFrameLocks noGrp="1"/>
+          </p:cNvGraphicFramePr>
+          <p:nvPr>
+            <p:extLst>
+              <p:ext uri="{D42A27DB-BD31-4B8C-83A1-F6EECF244321}">
+                <p14:modId xmlns:p14="http://schemas.microsoft.com/office/powerpoint/2010/main" val="898628006"/>
+              </p:ext>
+            </p:extLst>
+          </p:nvPr>
+        </p:nvGraphicFramePr>
+        <p:xfrm>
+          <a:off x="481216" y="1679601"/>
+          <a:ext cx="10931855" cy="4470677"/>
+        </p:xfrm>
+        <a:graphic>
+          <a:graphicData uri="http://schemas.openxmlformats.org/drawingml/2006/table">
+            <a:tbl>
+              <a:tblPr/>
+              <a:tblGrid>
+                <a:gridCol w="1538970">
+                  <a:extLst>
+                    <a:ext uri="{9D8B030D-6E8A-4147-A177-3AD203B41FA5}">
+                      <a16:colId xmlns:a16="http://schemas.microsoft.com/office/drawing/2014/main" val="2138078174"/>
+                    </a:ext>
+                  </a:extLst>
+                </a:gridCol>
+                <a:gridCol w="2833772">
+                  <a:extLst>
+                    <a:ext uri="{9D8B030D-6E8A-4147-A177-3AD203B41FA5}">
+                      <a16:colId xmlns:a16="http://schemas.microsoft.com/office/drawing/2014/main" val="696764682"/>
+                    </a:ext>
+                  </a:extLst>
+                </a:gridCol>
+                <a:gridCol w="2186371">
+                  <a:extLst>
+                    <a:ext uri="{9D8B030D-6E8A-4147-A177-3AD203B41FA5}">
+                      <a16:colId xmlns:a16="http://schemas.microsoft.com/office/drawing/2014/main" val="3723575565"/>
+                    </a:ext>
+                  </a:extLst>
+                </a:gridCol>
+                <a:gridCol w="2186371">
+                  <a:extLst>
+                    <a:ext uri="{9D8B030D-6E8A-4147-A177-3AD203B41FA5}">
+                      <a16:colId xmlns:a16="http://schemas.microsoft.com/office/drawing/2014/main" val="1171299432"/>
+                    </a:ext>
+                  </a:extLst>
+                </a:gridCol>
+                <a:gridCol w="2186371">
+                  <a:extLst>
+                    <a:ext uri="{9D8B030D-6E8A-4147-A177-3AD203B41FA5}">
+                      <a16:colId xmlns:a16="http://schemas.microsoft.com/office/drawing/2014/main" val="401000365"/>
+                    </a:ext>
+                  </a:extLst>
+                </a:gridCol>
+              </a:tblGrid>
+              <a:tr h="627664">
+                <a:tc>
+                  <a:txBody>
+                    <a:bodyPr/>
+                    <a:lstStyle/>
+                    <a:p>
+                      <a:pPr algn="ctr" fontAlgn="b">
+                        <a:buNone/>
+                      </a:pPr>
+                      <a:r>
+                        <a:rPr lang="it-IT" sz="2000" b="0" i="0" u="none" strike="noStrike">
+                          <a:solidFill>
+                            <a:srgbClr val="000000"/>
+                          </a:solidFill>
+                          <a:effectLst/>
+                          <a:latin typeface="Aptos Narrow" panose="020B0004020202020204" pitchFamily="34" charset="0"/>
+                        </a:rPr>
+                        <a:t>class</a:t>
+                      </a:r>
+                    </a:p>
+                  </a:txBody>
+                  <a:tcPr marL="9525" marR="9525" marT="9525" marB="0" anchor="b">
+                    <a:lnL>
+                      <a:noFill/>
+                    </a:lnL>
+                    <a:lnR>
+                      <a:noFill/>
+                    </a:lnR>
+                    <a:lnT>
+                      <a:noFill/>
+                    </a:lnT>
+                    <a:lnB>
+                      <a:noFill/>
+                    </a:lnB>
+                    <a:solidFill>
+                      <a:schemeClr val="bg1">
+                        <a:alpha val="75000"/>
+                      </a:schemeClr>
+                    </a:solidFill>
+                  </a:tcPr>
+                </a:tc>
+                <a:tc>
+                  <a:txBody>
+                    <a:bodyPr/>
+                    <a:lstStyle/>
+                    <a:p>
+                      <a:pPr algn="ctr" fontAlgn="b">
+                        <a:buNone/>
+                      </a:pPr>
+                      <a:r>
+                        <a:rPr lang="it-IT" sz="2000" b="0" i="0" u="none" strike="noStrike" dirty="0" err="1">
+                          <a:solidFill>
+                            <a:srgbClr val="000000"/>
+                          </a:solidFill>
+                          <a:effectLst/>
+                          <a:latin typeface="Aptos Narrow" panose="020B0004020202020204" pitchFamily="34" charset="0"/>
+                        </a:rPr>
+                        <a:t>IN_OUT_mean</a:t>
+                      </a:r>
+                      <a:endParaRPr lang="it-IT" sz="2000" b="0" i="0" u="none" strike="noStrike" dirty="0">
+                        <a:solidFill>
+                          <a:srgbClr val="000000"/>
+                        </a:solidFill>
+                        <a:effectLst/>
+                        <a:latin typeface="Aptos Narrow" panose="020B0004020202020204" pitchFamily="34" charset="0"/>
+                      </a:endParaRPr>
+                    </a:p>
+                  </a:txBody>
+                  <a:tcPr marL="9525" marR="9525" marT="9525" marB="0" anchor="b">
+                    <a:lnL>
+                      <a:noFill/>
+                    </a:lnL>
+                    <a:lnR>
+                      <a:noFill/>
+                    </a:lnR>
+                    <a:lnT>
+                      <a:noFill/>
+                    </a:lnT>
+                    <a:lnB>
+                      <a:noFill/>
+                    </a:lnB>
+                    <a:solidFill>
+                      <a:schemeClr val="bg1">
+                        <a:alpha val="75000"/>
+                      </a:schemeClr>
+                    </a:solidFill>
+                  </a:tcPr>
+                </a:tc>
+                <a:tc>
+                  <a:txBody>
+                    <a:bodyPr/>
+                    <a:lstStyle/>
+                    <a:p>
+                      <a:pPr algn="ctr" fontAlgn="b">
+                        <a:buNone/>
+                      </a:pPr>
+                      <a:r>
+                        <a:rPr lang="it-IT" sz="2000" b="0" i="0" u="none" strike="noStrike">
+                          <a:solidFill>
+                            <a:srgbClr val="000000"/>
+                          </a:solidFill>
+                          <a:effectLst/>
+                          <a:latin typeface="Aptos Narrow" panose="020B0004020202020204" pitchFamily="34" charset="0"/>
+                        </a:rPr>
+                        <a:t>C_SHAPE_mean</a:t>
+                      </a:r>
+                    </a:p>
+                  </a:txBody>
+                  <a:tcPr marL="9525" marR="9525" marT="9525" marB="0" anchor="b">
+                    <a:lnL>
+                      <a:noFill/>
+                    </a:lnL>
+                    <a:lnR>
+                      <a:noFill/>
+                    </a:lnR>
+                    <a:lnT>
+                      <a:noFill/>
+                    </a:lnT>
+                    <a:lnB>
+                      <a:noFill/>
+                    </a:lnB>
+                    <a:solidFill>
+                      <a:schemeClr val="bg1">
+                        <a:alpha val="75000"/>
+                      </a:schemeClr>
+                    </a:solidFill>
+                  </a:tcPr>
+                </a:tc>
+                <a:tc>
+                  <a:txBody>
+                    <a:bodyPr/>
+                    <a:lstStyle/>
+                    <a:p>
+                      <a:pPr algn="ctr" fontAlgn="b">
+                        <a:buNone/>
+                      </a:pPr>
+                      <a:r>
+                        <a:rPr lang="it-IT" sz="2000" b="0" i="0" u="none" strike="noStrike">
+                          <a:solidFill>
+                            <a:srgbClr val="000000"/>
+                          </a:solidFill>
+                          <a:effectLst/>
+                          <a:latin typeface="Aptos Narrow" panose="020B0004020202020204" pitchFamily="34" charset="0"/>
+                        </a:rPr>
+                        <a:t>TRANS_mean</a:t>
+                      </a:r>
+                    </a:p>
+                  </a:txBody>
+                  <a:tcPr marL="9525" marR="9525" marT="9525" marB="0" anchor="b">
+                    <a:lnL>
+                      <a:noFill/>
+                    </a:lnL>
+                    <a:lnR>
+                      <a:noFill/>
+                    </a:lnR>
+                    <a:lnT>
+                      <a:noFill/>
+                    </a:lnT>
+                    <a:lnB>
+                      <a:noFill/>
+                    </a:lnB>
+                    <a:solidFill>
+                      <a:schemeClr val="bg1">
+                        <a:alpha val="75000"/>
+                      </a:schemeClr>
+                    </a:solidFill>
+                  </a:tcPr>
+                </a:tc>
+                <a:tc>
+                  <a:txBody>
+                    <a:bodyPr/>
+                    <a:lstStyle/>
+                    <a:p>
+                      <a:pPr algn="ctr" fontAlgn="b">
+                        <a:buNone/>
+                      </a:pPr>
+                      <a:r>
+                        <a:rPr lang="it-IT" sz="2000" b="0" i="0" u="none" strike="noStrike">
+                          <a:solidFill>
+                            <a:srgbClr val="000000"/>
+                          </a:solidFill>
+                          <a:effectLst/>
+                          <a:latin typeface="Aptos Narrow" panose="020B0004020202020204" pitchFamily="34" charset="0"/>
+                        </a:rPr>
+                        <a:t>TRACK_mean</a:t>
+                      </a:r>
+                    </a:p>
+                  </a:txBody>
+                  <a:tcPr marL="9525" marR="9525" marT="9525" marB="0" anchor="b">
+                    <a:lnL>
+                      <a:noFill/>
+                    </a:lnL>
+                    <a:lnR>
+                      <a:noFill/>
+                    </a:lnR>
+                    <a:lnT>
+                      <a:noFill/>
+                    </a:lnT>
+                    <a:lnB>
+                      <a:noFill/>
+                    </a:lnB>
+                    <a:solidFill>
+                      <a:schemeClr val="bg1">
+                        <a:alpha val="75000"/>
+                      </a:schemeClr>
+                    </a:solidFill>
+                  </a:tcPr>
+                </a:tc>
+                <a:extLst>
+                  <a:ext uri="{0D108BD9-81ED-4DB2-BD59-A6C34878D82A}">
+                    <a16:rowId xmlns:a16="http://schemas.microsoft.com/office/drawing/2014/main" val="2813485352"/>
+                  </a:ext>
+                </a:extLst>
+              </a:tr>
+              <a:tr h="882426">
+                <a:tc>
+                  <a:txBody>
+                    <a:bodyPr/>
+                    <a:lstStyle/>
+                    <a:p>
+                      <a:pPr algn="ctr" fontAlgn="b">
+                        <a:buNone/>
+                      </a:pPr>
+                      <a:r>
+                        <a:rPr lang="it-IT" sz="2000" b="0" i="0" u="none" strike="noStrike">
+                          <a:solidFill>
+                            <a:srgbClr val="000000"/>
+                          </a:solidFill>
+                          <a:effectLst/>
+                          <a:latin typeface="Aptos Narrow" panose="020B0004020202020204" pitchFamily="34" charset="0"/>
+                        </a:rPr>
+                        <a:t>1</a:t>
+                      </a:r>
+                    </a:p>
+                  </a:txBody>
+                  <a:tcPr marL="9525" marR="9525" marT="9525" marB="0" anchor="b">
+                    <a:lnL>
+                      <a:noFill/>
+                    </a:lnL>
+                    <a:lnR>
+                      <a:noFill/>
+                    </a:lnR>
+                    <a:lnT>
+                      <a:noFill/>
+                    </a:lnT>
+                    <a:lnB>
+                      <a:noFill/>
+                    </a:lnB>
+                    <a:solidFill>
+                      <a:schemeClr val="bg1">
+                        <a:alpha val="75000"/>
+                      </a:schemeClr>
+                    </a:solidFill>
+                  </a:tcPr>
+                </a:tc>
+                <a:tc>
+                  <a:txBody>
+                    <a:bodyPr/>
+                    <a:lstStyle/>
+                    <a:p>
+                      <a:pPr algn="ctr" fontAlgn="b">
+                        <a:buNone/>
+                      </a:pPr>
+                      <a:r>
+                        <a:rPr lang="it-IT" sz="2000" b="0" i="0" u="none" strike="noStrike" dirty="0">
+                          <a:solidFill>
+                            <a:srgbClr val="000000"/>
+                          </a:solidFill>
+                          <a:effectLst/>
+                          <a:latin typeface="Aptos Narrow" panose="020B0004020202020204" pitchFamily="34" charset="0"/>
+                        </a:rPr>
+                        <a:t>1,97</a:t>
+                      </a:r>
+                    </a:p>
+                  </a:txBody>
+                  <a:tcPr marL="9525" marR="9525" marT="9525" marB="0" anchor="b">
+                    <a:lnL>
+                      <a:noFill/>
+                    </a:lnL>
+                    <a:lnR>
+                      <a:noFill/>
+                    </a:lnR>
+                    <a:lnT>
+                      <a:noFill/>
+                    </a:lnT>
+                    <a:lnB>
+                      <a:noFill/>
+                    </a:lnB>
+                    <a:solidFill>
+                      <a:schemeClr val="bg1">
+                        <a:alpha val="75000"/>
+                      </a:schemeClr>
+                    </a:solidFill>
+                  </a:tcPr>
+                </a:tc>
+                <a:tc>
+                  <a:txBody>
+                    <a:bodyPr/>
+                    <a:lstStyle/>
+                    <a:p>
+                      <a:pPr algn="ctr" fontAlgn="b">
+                        <a:buNone/>
+                      </a:pPr>
+                      <a:r>
+                        <a:rPr lang="it-IT" sz="2000" b="0" i="0" u="none" strike="noStrike">
+                          <a:solidFill>
+                            <a:srgbClr val="000000"/>
+                          </a:solidFill>
+                          <a:effectLst/>
+                          <a:latin typeface="Aptos Narrow" panose="020B0004020202020204" pitchFamily="34" charset="0"/>
+                        </a:rPr>
+                        <a:t>0,91</a:t>
+                      </a:r>
+                    </a:p>
+                  </a:txBody>
+                  <a:tcPr marL="9525" marR="9525" marT="9525" marB="0" anchor="b">
+                    <a:lnL>
+                      <a:noFill/>
+                    </a:lnL>
+                    <a:lnR>
+                      <a:noFill/>
+                    </a:lnR>
+                    <a:lnT>
+                      <a:noFill/>
+                    </a:lnT>
+                    <a:lnB>
+                      <a:noFill/>
+                    </a:lnB>
+                    <a:solidFill>
+                      <a:schemeClr val="bg1">
+                        <a:alpha val="75000"/>
+                      </a:schemeClr>
+                    </a:solidFill>
+                  </a:tcPr>
+                </a:tc>
+                <a:tc>
+                  <a:txBody>
+                    <a:bodyPr/>
+                    <a:lstStyle/>
+                    <a:p>
+                      <a:pPr algn="ctr" fontAlgn="b">
+                        <a:buNone/>
+                      </a:pPr>
+                      <a:r>
+                        <a:rPr lang="it-IT" sz="2000" b="0" i="0" u="none" strike="noStrike">
+                          <a:solidFill>
+                            <a:srgbClr val="000000"/>
+                          </a:solidFill>
+                          <a:effectLst/>
+                          <a:latin typeface="Aptos Narrow" panose="020B0004020202020204" pitchFamily="34" charset="0"/>
+                        </a:rPr>
+                        <a:t>-0,41</a:t>
+                      </a:r>
+                    </a:p>
+                  </a:txBody>
+                  <a:tcPr marL="9525" marR="9525" marT="9525" marB="0" anchor="b">
+                    <a:lnL>
+                      <a:noFill/>
+                    </a:lnL>
+                    <a:lnR>
+                      <a:noFill/>
+                    </a:lnR>
+                    <a:lnT>
+                      <a:noFill/>
+                    </a:lnT>
+                    <a:lnB>
+                      <a:noFill/>
+                    </a:lnB>
+                    <a:solidFill>
+                      <a:schemeClr val="bg1">
+                        <a:alpha val="75000"/>
+                      </a:schemeClr>
+                    </a:solidFill>
+                  </a:tcPr>
+                </a:tc>
+                <a:tc>
+                  <a:txBody>
+                    <a:bodyPr/>
+                    <a:lstStyle/>
+                    <a:p>
+                      <a:pPr algn="ctr" fontAlgn="b">
+                        <a:buNone/>
+                      </a:pPr>
+                      <a:r>
+                        <a:rPr lang="it-IT" sz="2000" b="0" i="0" u="none" strike="noStrike" dirty="0">
+                          <a:solidFill>
+                            <a:srgbClr val="000000"/>
+                          </a:solidFill>
+                          <a:effectLst/>
+                          <a:latin typeface="Aptos Narrow" panose="020B0004020202020204" pitchFamily="34" charset="0"/>
+                        </a:rPr>
+                        <a:t>0,17</a:t>
+                      </a:r>
+                    </a:p>
+                  </a:txBody>
+                  <a:tcPr marL="9525" marR="9525" marT="9525" marB="0" anchor="b">
+                    <a:lnL>
+                      <a:noFill/>
+                    </a:lnL>
+                    <a:lnR>
+                      <a:noFill/>
+                    </a:lnR>
+                    <a:lnT>
+                      <a:noFill/>
+                    </a:lnT>
+                    <a:lnB>
+                      <a:noFill/>
+                    </a:lnB>
+                    <a:solidFill>
+                      <a:schemeClr val="bg1">
+                        <a:alpha val="75000"/>
+                      </a:schemeClr>
+                    </a:solidFill>
+                  </a:tcPr>
+                </a:tc>
+                <a:extLst>
+                  <a:ext uri="{0D108BD9-81ED-4DB2-BD59-A6C34878D82A}">
+                    <a16:rowId xmlns:a16="http://schemas.microsoft.com/office/drawing/2014/main" val="962733173"/>
+                  </a:ext>
+                </a:extLst>
+              </a:tr>
+              <a:tr h="882426">
+                <a:tc>
+                  <a:txBody>
+                    <a:bodyPr/>
+                    <a:lstStyle/>
+                    <a:p>
+                      <a:pPr algn="ctr" fontAlgn="b">
+                        <a:buNone/>
+                      </a:pPr>
+                      <a:r>
+                        <a:rPr lang="it-IT" sz="2000" b="0" i="0" u="none" strike="noStrike">
+                          <a:solidFill>
+                            <a:srgbClr val="000000"/>
+                          </a:solidFill>
+                          <a:effectLst/>
+                          <a:latin typeface="Aptos Narrow" panose="020B0004020202020204" pitchFamily="34" charset="0"/>
+                        </a:rPr>
+                        <a:t>2</a:t>
+                      </a:r>
+                    </a:p>
+                  </a:txBody>
+                  <a:tcPr marL="9525" marR="9525" marT="9525" marB="0" anchor="b">
+                    <a:lnL>
+                      <a:noFill/>
+                    </a:lnL>
+                    <a:lnR>
+                      <a:noFill/>
+                    </a:lnR>
+                    <a:lnT>
+                      <a:noFill/>
+                    </a:lnT>
+                    <a:lnB>
+                      <a:noFill/>
+                    </a:lnB>
+                    <a:solidFill>
+                      <a:schemeClr val="bg1">
+                        <a:alpha val="75000"/>
+                      </a:schemeClr>
+                    </a:solidFill>
+                  </a:tcPr>
+                </a:tc>
+                <a:tc>
+                  <a:txBody>
+                    <a:bodyPr/>
+                    <a:lstStyle/>
+                    <a:p>
+                      <a:pPr algn="ctr" fontAlgn="b">
+                        <a:buNone/>
+                      </a:pPr>
+                      <a:r>
+                        <a:rPr lang="it-IT" sz="2000" b="0" i="0" u="none" strike="noStrike" dirty="0">
+                          <a:solidFill>
+                            <a:srgbClr val="000000"/>
+                          </a:solidFill>
+                          <a:effectLst/>
+                          <a:latin typeface="Aptos Narrow" panose="020B0004020202020204" pitchFamily="34" charset="0"/>
+                        </a:rPr>
+                        <a:t>-2,44</a:t>
+                      </a:r>
+                    </a:p>
+                  </a:txBody>
+                  <a:tcPr marL="9525" marR="9525" marT="9525" marB="0" anchor="b">
+                    <a:lnL>
+                      <a:noFill/>
+                    </a:lnL>
+                    <a:lnR>
+                      <a:noFill/>
+                    </a:lnR>
+                    <a:lnT>
+                      <a:noFill/>
+                    </a:lnT>
+                    <a:lnB>
+                      <a:noFill/>
+                    </a:lnB>
+                    <a:solidFill>
+                      <a:schemeClr val="bg1">
+                        <a:alpha val="75000"/>
+                      </a:schemeClr>
+                    </a:solidFill>
+                  </a:tcPr>
+                </a:tc>
+                <a:tc>
+                  <a:txBody>
+                    <a:bodyPr/>
+                    <a:lstStyle/>
+                    <a:p>
+                      <a:pPr algn="ctr" fontAlgn="b">
+                        <a:buNone/>
+                      </a:pPr>
+                      <a:r>
+                        <a:rPr lang="it-IT" sz="2000" b="0" i="0" u="none" strike="noStrike" dirty="0">
+                          <a:solidFill>
+                            <a:srgbClr val="000000"/>
+                          </a:solidFill>
+                          <a:effectLst/>
+                          <a:latin typeface="Aptos Narrow" panose="020B0004020202020204" pitchFamily="34" charset="0"/>
+                        </a:rPr>
+                        <a:t>2,39</a:t>
+                      </a:r>
+                    </a:p>
+                  </a:txBody>
+                  <a:tcPr marL="9525" marR="9525" marT="9525" marB="0" anchor="b">
+                    <a:lnL>
+                      <a:noFill/>
+                    </a:lnL>
+                    <a:lnR>
+                      <a:noFill/>
+                    </a:lnR>
+                    <a:lnT>
+                      <a:noFill/>
+                    </a:lnT>
+                    <a:lnB>
+                      <a:noFill/>
+                    </a:lnB>
+                    <a:solidFill>
+                      <a:schemeClr val="bg1">
+                        <a:alpha val="75000"/>
+                      </a:schemeClr>
+                    </a:solidFill>
+                  </a:tcPr>
+                </a:tc>
+                <a:tc>
+                  <a:txBody>
+                    <a:bodyPr/>
+                    <a:lstStyle/>
+                    <a:p>
+                      <a:pPr algn="ctr" fontAlgn="b">
+                        <a:buNone/>
+                      </a:pPr>
+                      <a:r>
+                        <a:rPr lang="it-IT" sz="2000" b="0" i="0" u="none" strike="noStrike">
+                          <a:solidFill>
+                            <a:srgbClr val="000000"/>
+                          </a:solidFill>
+                          <a:effectLst/>
+                          <a:latin typeface="Aptos Narrow" panose="020B0004020202020204" pitchFamily="34" charset="0"/>
+                        </a:rPr>
+                        <a:t>1,29</a:t>
+                      </a:r>
+                    </a:p>
+                  </a:txBody>
+                  <a:tcPr marL="9525" marR="9525" marT="9525" marB="0" anchor="b">
+                    <a:lnL>
+                      <a:noFill/>
+                    </a:lnL>
+                    <a:lnR>
+                      <a:noFill/>
+                    </a:lnR>
+                    <a:lnT>
+                      <a:noFill/>
+                    </a:lnT>
+                    <a:lnB>
+                      <a:noFill/>
+                    </a:lnB>
+                    <a:solidFill>
+                      <a:schemeClr val="bg1">
+                        <a:alpha val="75000"/>
+                      </a:schemeClr>
+                    </a:solidFill>
+                  </a:tcPr>
+                </a:tc>
+                <a:tc>
+                  <a:txBody>
+                    <a:bodyPr/>
+                    <a:lstStyle/>
+                    <a:p>
+                      <a:pPr algn="ctr" fontAlgn="b">
+                        <a:buNone/>
+                      </a:pPr>
+                      <a:r>
+                        <a:rPr lang="it-IT" sz="2000" b="0" i="0" u="none" strike="noStrike" dirty="0">
+                          <a:solidFill>
+                            <a:srgbClr val="000000"/>
+                          </a:solidFill>
+                          <a:effectLst/>
+                          <a:latin typeface="Aptos Narrow" panose="020B0004020202020204" pitchFamily="34" charset="0"/>
+                        </a:rPr>
+                        <a:t>-0,06</a:t>
+                      </a:r>
+                    </a:p>
+                  </a:txBody>
+                  <a:tcPr marL="9525" marR="9525" marT="9525" marB="0" anchor="b">
+                    <a:lnL>
+                      <a:noFill/>
+                    </a:lnL>
+                    <a:lnR>
+                      <a:noFill/>
+                    </a:lnR>
+                    <a:lnT>
+                      <a:noFill/>
+                    </a:lnT>
+                    <a:lnB>
+                      <a:noFill/>
+                    </a:lnB>
+                    <a:solidFill>
+                      <a:schemeClr val="bg1">
+                        <a:alpha val="75000"/>
+                      </a:schemeClr>
+                    </a:solidFill>
+                  </a:tcPr>
+                </a:tc>
+                <a:extLst>
+                  <a:ext uri="{0D108BD9-81ED-4DB2-BD59-A6C34878D82A}">
+                    <a16:rowId xmlns:a16="http://schemas.microsoft.com/office/drawing/2014/main" val="2146027793"/>
+                  </a:ext>
+                </a:extLst>
+              </a:tr>
+              <a:tr h="834153">
+                <a:tc>
+                  <a:txBody>
+                    <a:bodyPr/>
+                    <a:lstStyle/>
+                    <a:p>
+                      <a:pPr algn="ctr" fontAlgn="b">
+                        <a:buNone/>
+                      </a:pPr>
+                      <a:r>
+                        <a:rPr lang="it-IT" sz="2000" b="0" i="0" u="none" strike="noStrike">
+                          <a:solidFill>
+                            <a:srgbClr val="000000"/>
+                          </a:solidFill>
+                          <a:effectLst/>
+                          <a:latin typeface="Aptos Narrow" panose="020B0004020202020204" pitchFamily="34" charset="0"/>
+                        </a:rPr>
+                        <a:t>3</a:t>
+                      </a:r>
+                    </a:p>
+                  </a:txBody>
+                  <a:tcPr marL="9525" marR="9525" marT="9525" marB="0" anchor="b">
+                    <a:lnL>
+                      <a:noFill/>
+                    </a:lnL>
+                    <a:lnR>
+                      <a:noFill/>
+                    </a:lnR>
+                    <a:lnT>
+                      <a:noFill/>
+                    </a:lnT>
+                    <a:lnB>
+                      <a:noFill/>
+                    </a:lnB>
+                    <a:solidFill>
+                      <a:schemeClr val="bg1">
+                        <a:alpha val="75000"/>
+                      </a:schemeClr>
+                    </a:solidFill>
+                  </a:tcPr>
+                </a:tc>
+                <a:tc>
+                  <a:txBody>
+                    <a:bodyPr/>
+                    <a:lstStyle/>
+                    <a:p>
+                      <a:pPr algn="ctr" fontAlgn="b">
+                        <a:buNone/>
+                      </a:pPr>
+                      <a:r>
+                        <a:rPr lang="it-IT" sz="2000" b="0" i="0" u="none" strike="noStrike">
+                          <a:solidFill>
+                            <a:srgbClr val="000000"/>
+                          </a:solidFill>
+                          <a:effectLst/>
+                          <a:latin typeface="Aptos Narrow" panose="020B0004020202020204" pitchFamily="34" charset="0"/>
+                        </a:rPr>
+                        <a:t>0,91</a:t>
+                      </a:r>
+                    </a:p>
+                  </a:txBody>
+                  <a:tcPr marL="9525" marR="9525" marT="9525" marB="0" anchor="b">
+                    <a:lnL>
+                      <a:noFill/>
+                    </a:lnL>
+                    <a:lnR>
+                      <a:noFill/>
+                    </a:lnR>
+                    <a:lnT>
+                      <a:noFill/>
+                    </a:lnT>
+                    <a:lnB>
+                      <a:noFill/>
+                    </a:lnB>
+                    <a:solidFill>
+                      <a:schemeClr val="bg1">
+                        <a:alpha val="75000"/>
+                      </a:schemeClr>
+                    </a:solidFill>
+                  </a:tcPr>
+                </a:tc>
+                <a:tc>
+                  <a:txBody>
+                    <a:bodyPr/>
+                    <a:lstStyle/>
+                    <a:p>
+                      <a:pPr algn="ctr" fontAlgn="b">
+                        <a:buNone/>
+                      </a:pPr>
+                      <a:r>
+                        <a:rPr lang="it-IT" sz="2000" b="0" i="0" u="none" strike="noStrike">
+                          <a:solidFill>
+                            <a:srgbClr val="000000"/>
+                          </a:solidFill>
+                          <a:effectLst/>
+                          <a:latin typeface="Aptos Narrow" panose="020B0004020202020204" pitchFamily="34" charset="0"/>
+                        </a:rPr>
+                        <a:t>-2,81</a:t>
+                      </a:r>
+                    </a:p>
+                  </a:txBody>
+                  <a:tcPr marL="9525" marR="9525" marT="9525" marB="0" anchor="b">
+                    <a:lnL>
+                      <a:noFill/>
+                    </a:lnL>
+                    <a:lnR>
+                      <a:noFill/>
+                    </a:lnR>
+                    <a:lnT>
+                      <a:noFill/>
+                    </a:lnT>
+                    <a:lnB>
+                      <a:noFill/>
+                    </a:lnB>
+                    <a:solidFill>
+                      <a:schemeClr val="bg1">
+                        <a:alpha val="75000"/>
+                      </a:schemeClr>
+                    </a:solidFill>
+                  </a:tcPr>
+                </a:tc>
+                <a:tc>
+                  <a:txBody>
+                    <a:bodyPr/>
+                    <a:lstStyle/>
+                    <a:p>
+                      <a:pPr algn="ctr" fontAlgn="b">
+                        <a:buNone/>
+                      </a:pPr>
+                      <a:r>
+                        <a:rPr lang="it-IT" sz="2000" b="0" i="0" u="none" strike="noStrike" dirty="0">
+                          <a:solidFill>
+                            <a:srgbClr val="000000"/>
+                          </a:solidFill>
+                          <a:effectLst/>
+                          <a:latin typeface="Aptos Narrow" panose="020B0004020202020204" pitchFamily="34" charset="0"/>
+                        </a:rPr>
+                        <a:t>1,02</a:t>
+                      </a:r>
+                    </a:p>
+                  </a:txBody>
+                  <a:tcPr marL="9525" marR="9525" marT="9525" marB="0" anchor="b">
+                    <a:lnL>
+                      <a:noFill/>
+                    </a:lnL>
+                    <a:lnR>
+                      <a:noFill/>
+                    </a:lnR>
+                    <a:lnT>
+                      <a:noFill/>
+                    </a:lnT>
+                    <a:lnB>
+                      <a:noFill/>
+                    </a:lnB>
+                    <a:solidFill>
+                      <a:schemeClr val="bg1">
+                        <a:alpha val="75000"/>
+                      </a:schemeClr>
+                    </a:solidFill>
+                  </a:tcPr>
+                </a:tc>
+                <a:tc>
+                  <a:txBody>
+                    <a:bodyPr/>
+                    <a:lstStyle/>
+                    <a:p>
+                      <a:pPr algn="ctr" fontAlgn="b">
+                        <a:buNone/>
+                      </a:pPr>
+                      <a:r>
+                        <a:rPr lang="it-IT" sz="2000" b="0" i="0" u="none" strike="noStrike" dirty="0">
+                          <a:solidFill>
+                            <a:srgbClr val="000000"/>
+                          </a:solidFill>
+                          <a:effectLst/>
+                          <a:latin typeface="Aptos Narrow" panose="020B0004020202020204" pitchFamily="34" charset="0"/>
+                        </a:rPr>
+                        <a:t>0,93</a:t>
+                      </a:r>
+                    </a:p>
+                  </a:txBody>
+                  <a:tcPr marL="9525" marR="9525" marT="9525" marB="0" anchor="b">
+                    <a:lnL>
+                      <a:noFill/>
+                    </a:lnL>
+                    <a:lnR>
+                      <a:noFill/>
+                    </a:lnR>
+                    <a:lnT>
+                      <a:noFill/>
+                    </a:lnT>
+                    <a:lnB>
+                      <a:noFill/>
+                    </a:lnB>
+                    <a:solidFill>
+                      <a:schemeClr val="bg1">
+                        <a:alpha val="75000"/>
+                      </a:schemeClr>
+                    </a:solidFill>
+                  </a:tcPr>
+                </a:tc>
+                <a:extLst>
+                  <a:ext uri="{0D108BD9-81ED-4DB2-BD59-A6C34878D82A}">
+                    <a16:rowId xmlns:a16="http://schemas.microsoft.com/office/drawing/2014/main" val="4211978876"/>
+                  </a:ext>
+                </a:extLst>
+              </a:tr>
+              <a:tr h="691115">
+                <a:tc>
+                  <a:txBody>
+                    <a:bodyPr/>
+                    <a:lstStyle/>
+                    <a:p>
+                      <a:pPr algn="ctr" fontAlgn="b">
+                        <a:buNone/>
+                      </a:pPr>
+                      <a:r>
+                        <a:rPr lang="it-IT" sz="2000" b="0" i="0" u="none" strike="noStrike" dirty="0">
+                          <a:solidFill>
+                            <a:srgbClr val="000000"/>
+                          </a:solidFill>
+                          <a:effectLst/>
+                          <a:latin typeface="Aptos Narrow" panose="020B0004020202020204" pitchFamily="34" charset="0"/>
+                        </a:rPr>
+                        <a:t>4</a:t>
+                      </a:r>
+                    </a:p>
+                  </a:txBody>
+                  <a:tcPr marL="9525" marR="9525" marT="9525" marB="0" anchor="b">
+                    <a:lnL>
+                      <a:noFill/>
+                    </a:lnL>
+                    <a:lnR>
+                      <a:noFill/>
+                    </a:lnR>
+                    <a:lnT>
+                      <a:noFill/>
+                    </a:lnT>
+                    <a:lnB>
+                      <a:noFill/>
+                    </a:lnB>
+                    <a:solidFill>
+                      <a:schemeClr val="bg1">
+                        <a:alpha val="75000"/>
+                      </a:schemeClr>
+                    </a:solidFill>
+                  </a:tcPr>
+                </a:tc>
+                <a:tc>
+                  <a:txBody>
+                    <a:bodyPr/>
+                    <a:lstStyle/>
+                    <a:p>
+                      <a:pPr algn="ctr" fontAlgn="b">
+                        <a:buNone/>
+                      </a:pPr>
+                      <a:r>
+                        <a:rPr lang="it-IT" sz="2000" b="0" i="0" u="none" strike="noStrike">
+                          <a:solidFill>
+                            <a:srgbClr val="000000"/>
+                          </a:solidFill>
+                          <a:effectLst/>
+                          <a:latin typeface="Aptos Narrow" panose="020B0004020202020204" pitchFamily="34" charset="0"/>
+                        </a:rPr>
+                        <a:t>-1,18</a:t>
+                      </a:r>
+                    </a:p>
+                  </a:txBody>
+                  <a:tcPr marL="9525" marR="9525" marT="9525" marB="0" anchor="b">
+                    <a:lnL>
+                      <a:noFill/>
+                    </a:lnL>
+                    <a:lnR>
+                      <a:noFill/>
+                    </a:lnR>
+                    <a:lnT>
+                      <a:noFill/>
+                    </a:lnT>
+                    <a:lnB>
+                      <a:noFill/>
+                    </a:lnB>
+                    <a:solidFill>
+                      <a:schemeClr val="bg1">
+                        <a:alpha val="75000"/>
+                      </a:schemeClr>
+                    </a:solidFill>
+                  </a:tcPr>
+                </a:tc>
+                <a:tc>
+                  <a:txBody>
+                    <a:bodyPr/>
+                    <a:lstStyle/>
+                    <a:p>
+                      <a:pPr algn="ctr" fontAlgn="b">
+                        <a:buNone/>
+                      </a:pPr>
+                      <a:r>
+                        <a:rPr lang="it-IT" sz="2000" b="0" i="0" u="none" strike="noStrike">
+                          <a:solidFill>
+                            <a:srgbClr val="000000"/>
+                          </a:solidFill>
+                          <a:effectLst/>
+                          <a:latin typeface="Aptos Narrow" panose="020B0004020202020204" pitchFamily="34" charset="0"/>
+                        </a:rPr>
+                        <a:t>-1,24</a:t>
+                      </a:r>
+                    </a:p>
+                  </a:txBody>
+                  <a:tcPr marL="9525" marR="9525" marT="9525" marB="0" anchor="b">
+                    <a:lnL>
+                      <a:noFill/>
+                    </a:lnL>
+                    <a:lnR>
+                      <a:noFill/>
+                    </a:lnR>
+                    <a:lnT>
+                      <a:noFill/>
+                    </a:lnT>
+                    <a:lnB>
+                      <a:noFill/>
+                    </a:lnB>
+                    <a:solidFill>
+                      <a:schemeClr val="bg1">
+                        <a:alpha val="75000"/>
+                      </a:schemeClr>
+                    </a:solidFill>
+                  </a:tcPr>
+                </a:tc>
+                <a:tc>
+                  <a:txBody>
+                    <a:bodyPr/>
+                    <a:lstStyle/>
+                    <a:p>
+                      <a:pPr algn="ctr" fontAlgn="b">
+                        <a:buNone/>
+                      </a:pPr>
+                      <a:r>
+                        <a:rPr lang="it-IT" sz="2000" b="0" i="0" u="none" strike="noStrike">
+                          <a:solidFill>
+                            <a:srgbClr val="000000"/>
+                          </a:solidFill>
+                          <a:effectLst/>
+                          <a:latin typeface="Aptos Narrow" panose="020B0004020202020204" pitchFamily="34" charset="0"/>
+                        </a:rPr>
+                        <a:t>-0,30</a:t>
+                      </a:r>
+                    </a:p>
+                  </a:txBody>
+                  <a:tcPr marL="9525" marR="9525" marT="9525" marB="0" anchor="b">
+                    <a:lnL>
+                      <a:noFill/>
+                    </a:lnL>
+                    <a:lnR>
+                      <a:noFill/>
+                    </a:lnR>
+                    <a:lnT>
+                      <a:noFill/>
+                    </a:lnT>
+                    <a:lnB>
+                      <a:noFill/>
+                    </a:lnB>
+                    <a:solidFill>
+                      <a:schemeClr val="bg1">
+                        <a:alpha val="75000"/>
+                      </a:schemeClr>
+                    </a:solidFill>
+                  </a:tcPr>
+                </a:tc>
+                <a:tc>
+                  <a:txBody>
+                    <a:bodyPr/>
+                    <a:lstStyle/>
+                    <a:p>
+                      <a:pPr algn="ctr" fontAlgn="b">
+                        <a:buNone/>
+                      </a:pPr>
+                      <a:r>
+                        <a:rPr lang="it-IT" sz="2000" b="0" i="0" u="none" strike="noStrike" dirty="0">
+                          <a:solidFill>
+                            <a:srgbClr val="000000"/>
+                          </a:solidFill>
+                          <a:effectLst/>
+                          <a:latin typeface="Aptos Narrow" panose="020B0004020202020204" pitchFamily="34" charset="0"/>
+                        </a:rPr>
+                        <a:t>-0,34</a:t>
+                      </a:r>
+                    </a:p>
+                  </a:txBody>
+                  <a:tcPr marL="9525" marR="9525" marT="9525" marB="0" anchor="b">
+                    <a:lnL>
+                      <a:noFill/>
+                    </a:lnL>
+                    <a:lnR>
+                      <a:noFill/>
+                    </a:lnR>
+                    <a:lnT>
+                      <a:noFill/>
+                    </a:lnT>
+                    <a:lnB>
+                      <a:noFill/>
+                    </a:lnB>
+                    <a:solidFill>
+                      <a:schemeClr val="bg1">
+                        <a:alpha val="75000"/>
+                      </a:schemeClr>
+                    </a:solidFill>
+                  </a:tcPr>
+                </a:tc>
+                <a:extLst>
+                  <a:ext uri="{0D108BD9-81ED-4DB2-BD59-A6C34878D82A}">
+                    <a16:rowId xmlns:a16="http://schemas.microsoft.com/office/drawing/2014/main" val="3041260502"/>
+                  </a:ext>
+                </a:extLst>
+              </a:tr>
+              <a:tr h="552893">
+                <a:tc>
+                  <a:txBody>
+                    <a:bodyPr/>
+                    <a:lstStyle/>
+                    <a:p>
+                      <a:pPr algn="ctr" fontAlgn="b">
+                        <a:buNone/>
+                      </a:pPr>
+                      <a:endParaRPr lang="it-IT" sz="2000" b="0" i="0" u="none" strike="noStrike" dirty="0">
+                        <a:solidFill>
+                          <a:srgbClr val="000000"/>
+                        </a:solidFill>
+                        <a:effectLst/>
+                        <a:latin typeface="Aptos Narrow" panose="020B0004020202020204" pitchFamily="34" charset="0"/>
+                      </a:endParaRPr>
+                    </a:p>
+                  </a:txBody>
+                  <a:tcPr marL="9525" marR="9525" marT="9525" marB="0" anchor="b">
+                    <a:lnL>
+                      <a:noFill/>
+                    </a:lnL>
+                    <a:lnR>
+                      <a:noFill/>
+                    </a:lnR>
+                    <a:lnT>
+                      <a:noFill/>
+                    </a:lnT>
+                    <a:lnB>
+                      <a:noFill/>
+                    </a:lnB>
+                    <a:solidFill>
+                      <a:schemeClr val="bg1">
+                        <a:alpha val="75000"/>
+                      </a:schemeClr>
+                    </a:solidFill>
+                  </a:tcPr>
+                </a:tc>
+                <a:tc>
+                  <a:txBody>
+                    <a:bodyPr/>
+                    <a:lstStyle/>
+                    <a:p>
+                      <a:pPr algn="ctr" fontAlgn="b">
+                        <a:buNone/>
+                      </a:pPr>
+                      <a:endParaRPr lang="it-IT" sz="2000" b="0" i="0" u="none" strike="noStrike">
+                        <a:solidFill>
+                          <a:srgbClr val="000000"/>
+                        </a:solidFill>
+                        <a:effectLst/>
+                        <a:latin typeface="Aptos Narrow" panose="020B0004020202020204" pitchFamily="34" charset="0"/>
+                      </a:endParaRPr>
+                    </a:p>
+                  </a:txBody>
+                  <a:tcPr marL="9525" marR="9525" marT="9525" marB="0" anchor="b">
+                    <a:lnL>
+                      <a:noFill/>
+                    </a:lnL>
+                    <a:lnR>
+                      <a:noFill/>
+                    </a:lnR>
+                    <a:lnT>
+                      <a:noFill/>
+                    </a:lnT>
+                    <a:lnB>
+                      <a:noFill/>
+                    </a:lnB>
+                    <a:solidFill>
+                      <a:schemeClr val="bg1">
+                        <a:alpha val="75000"/>
+                      </a:schemeClr>
+                    </a:solidFill>
+                  </a:tcPr>
+                </a:tc>
+                <a:tc>
+                  <a:txBody>
+                    <a:bodyPr/>
+                    <a:lstStyle/>
+                    <a:p>
+                      <a:pPr algn="ctr" fontAlgn="b">
+                        <a:buNone/>
+                      </a:pPr>
+                      <a:endParaRPr lang="it-IT" sz="2000" b="0" i="0" u="none" strike="noStrike">
+                        <a:solidFill>
+                          <a:srgbClr val="000000"/>
+                        </a:solidFill>
+                        <a:effectLst/>
+                        <a:latin typeface="Aptos Narrow" panose="020B0004020202020204" pitchFamily="34" charset="0"/>
+                      </a:endParaRPr>
+                    </a:p>
+                  </a:txBody>
+                  <a:tcPr marL="9525" marR="9525" marT="9525" marB="0" anchor="b">
+                    <a:lnL>
+                      <a:noFill/>
+                    </a:lnL>
+                    <a:lnR>
+                      <a:noFill/>
+                    </a:lnR>
+                    <a:lnT>
+                      <a:noFill/>
+                    </a:lnT>
+                    <a:lnB>
+                      <a:noFill/>
+                    </a:lnB>
+                    <a:solidFill>
+                      <a:schemeClr val="bg1">
+                        <a:alpha val="75000"/>
+                      </a:schemeClr>
+                    </a:solidFill>
+                  </a:tcPr>
+                </a:tc>
+                <a:tc>
+                  <a:txBody>
+                    <a:bodyPr/>
+                    <a:lstStyle/>
+                    <a:p>
+                      <a:pPr algn="ctr" fontAlgn="b">
+                        <a:buNone/>
+                      </a:pPr>
+                      <a:endParaRPr lang="it-IT" sz="2000" b="0" i="0" u="none" strike="noStrike">
+                        <a:solidFill>
+                          <a:srgbClr val="000000"/>
+                        </a:solidFill>
+                        <a:effectLst/>
+                        <a:latin typeface="Aptos Narrow" panose="020B0004020202020204" pitchFamily="34" charset="0"/>
+                      </a:endParaRPr>
+                    </a:p>
+                  </a:txBody>
+                  <a:tcPr marL="9525" marR="9525" marT="9525" marB="0" anchor="b">
+                    <a:lnL>
+                      <a:noFill/>
+                    </a:lnL>
+                    <a:lnR>
+                      <a:noFill/>
+                    </a:lnR>
+                    <a:lnT>
+                      <a:noFill/>
+                    </a:lnT>
+                    <a:lnB>
+                      <a:noFill/>
+                    </a:lnB>
+                    <a:solidFill>
+                      <a:schemeClr val="bg1">
+                        <a:alpha val="75000"/>
+                      </a:schemeClr>
+                    </a:solidFill>
+                  </a:tcPr>
+                </a:tc>
+                <a:tc>
+                  <a:txBody>
+                    <a:bodyPr/>
+                    <a:lstStyle/>
+                    <a:p>
+                      <a:pPr algn="ctr" fontAlgn="b">
+                        <a:buNone/>
+                      </a:pPr>
+                      <a:endParaRPr lang="it-IT" sz="2000" b="0" i="0" u="none" strike="noStrike" dirty="0">
+                        <a:solidFill>
+                          <a:srgbClr val="000000"/>
+                        </a:solidFill>
+                        <a:effectLst/>
+                        <a:latin typeface="Aptos Narrow" panose="020B0004020202020204" pitchFamily="34" charset="0"/>
+                      </a:endParaRPr>
+                    </a:p>
+                  </a:txBody>
+                  <a:tcPr marL="9525" marR="9525" marT="9525" marB="0" anchor="b">
+                    <a:lnL>
+                      <a:noFill/>
+                    </a:lnL>
+                    <a:lnR>
+                      <a:noFill/>
+                    </a:lnR>
+                    <a:lnT>
+                      <a:noFill/>
+                    </a:lnT>
+                    <a:lnB>
+                      <a:noFill/>
+                    </a:lnB>
+                    <a:solidFill>
+                      <a:schemeClr val="bg1">
+                        <a:alpha val="75000"/>
+                      </a:schemeClr>
+                    </a:solidFill>
+                  </a:tcPr>
+                </a:tc>
+                <a:extLst>
+                  <a:ext uri="{0D108BD9-81ED-4DB2-BD59-A6C34878D82A}">
+                    <a16:rowId xmlns:a16="http://schemas.microsoft.com/office/drawing/2014/main" val="1914240875"/>
+                  </a:ext>
+                </a:extLst>
+              </a:tr>
+            </a:tbl>
+          </a:graphicData>
+        </a:graphic>
+      </p:graphicFrame>
     </p:spTree>
+    <p:extLst>
+      <p:ext uri="{BB962C8B-B14F-4D97-AF65-F5344CB8AC3E}">
+        <p14:creationId xmlns:p14="http://schemas.microsoft.com/office/powerpoint/2010/main" val="2714990342"/>
+      </p:ext>
+    </p:extLst>
   </p:cSld>
   <p:clrMapOvr>
     <a:masterClrMapping/>
@@ -16081,6 +17567,281 @@
         <p:spPr>
           <a:xfrm>
             <a:off x="1981201" y="164813"/>
+            <a:ext cx="5199437" cy="584775"/>
+          </a:xfrm>
+          <a:prstGeom prst="rect">
+            <a:avLst/>
+          </a:prstGeom>
+          <a:noFill/>
+        </p:spPr>
+        <p:txBody>
+          <a:bodyPr wrap="none" anchor="ctr">
+            <a:spAutoFit/>
+          </a:bodyPr>
+          <a:lstStyle/>
+          <a:p>
+            <a:pPr algn="l">
+              <a:defRPr sz="3200" b="1">
+                <a:solidFill>
+                  <a:srgbClr val="FFFFFF"/>
+                </a:solidFill>
+              </a:defRPr>
+            </a:pPr>
+            <a:r>
+              <a:rPr sz="3200" dirty="0"/>
+              <a:t>MEM: </a:t>
+            </a:r>
+            <a:r>
+              <a:rPr sz="3200" dirty="0" err="1"/>
+              <a:t>Regressioni</a:t>
+            </a:r>
+            <a:r>
+              <a:rPr sz="3200" dirty="0"/>
+              <a:t> per Cluster</a:t>
+            </a:r>
+          </a:p>
+        </p:txBody>
+      </p:sp>
+      <p:pic>
+        <p:nvPicPr>
+          <p:cNvPr id="4" name="Picture 3" descr="C1_C4_R_converted.png"/>
+          <p:cNvPicPr>
+            <a:picLocks noChangeAspect="1"/>
+          </p:cNvPicPr>
+          <p:nvPr/>
+        </p:nvPicPr>
+        <p:blipFill>
+          <a:blip r:embed="rId3"/>
+          <a:stretch>
+            <a:fillRect/>
+          </a:stretch>
+        </p:blipFill>
+        <p:spPr>
+          <a:xfrm>
+            <a:off x="2438400" y="1188720"/>
+            <a:ext cx="7040880" cy="5029200"/>
+          </a:xfrm>
+          <a:prstGeom prst="rect">
+            <a:avLst/>
+          </a:prstGeom>
+        </p:spPr>
+      </p:pic>
+      <p:sp>
+        <p:nvSpPr>
+          <p:cNvPr id="5" name="TextBox 4"/>
+          <p:cNvSpPr txBox="1"/>
+          <p:nvPr/>
+        </p:nvSpPr>
+        <p:spPr>
+          <a:xfrm>
+            <a:off x="4444362" y="6400801"/>
+            <a:ext cx="3303276" cy="307777"/>
+          </a:xfrm>
+          <a:prstGeom prst="rect">
+            <a:avLst/>
+          </a:prstGeom>
+          <a:noFill/>
+        </p:spPr>
+        <p:txBody>
+          <a:bodyPr wrap="none">
+            <a:spAutoFit/>
+          </a:bodyPr>
+          <a:lstStyle/>
+          <a:p>
+            <a:pPr algn="ctr">
+              <a:defRPr sz="1400" i="1">
+                <a:solidFill>
+                  <a:srgbClr val="1E1E1E"/>
+                </a:solidFill>
+              </a:defRPr>
+            </a:pPr>
+            <a:r>
+              <a:rPr sz="1400" dirty="0" err="1">
+                <a:solidFill>
+                  <a:schemeClr val="bg1"/>
+                </a:solidFill>
+              </a:rPr>
+              <a:t>Relazione</a:t>
+            </a:r>
+            <a:r>
+              <a:rPr sz="1400" dirty="0">
+                <a:solidFill>
+                  <a:schemeClr val="bg1"/>
+                </a:solidFill>
+              </a:rPr>
+              <a:t> TRACK vs C_SHAPE per </a:t>
+            </a:r>
+            <a:r>
+              <a:rPr sz="1400" dirty="0" err="1">
+                <a:solidFill>
+                  <a:schemeClr val="bg1"/>
+                </a:solidFill>
+              </a:rPr>
+              <a:t>i</a:t>
+            </a:r>
+            <a:r>
+              <a:rPr sz="1400" dirty="0">
+                <a:solidFill>
+                  <a:schemeClr val="bg1"/>
+                </a:solidFill>
+              </a:rPr>
+              <a:t> 4 cluster</a:t>
+            </a:r>
+          </a:p>
+        </p:txBody>
+      </p:sp>
+      <p:sp>
+        <p:nvSpPr>
+          <p:cNvPr id="6" name="Rectangle 5"/>
+          <p:cNvSpPr/>
+          <p:nvPr/>
+        </p:nvSpPr>
+        <p:spPr>
+          <a:xfrm>
+            <a:off x="0" y="6675120"/>
+            <a:ext cx="12192000" cy="182880"/>
+          </a:xfrm>
+          <a:prstGeom prst="rect">
+            <a:avLst/>
+          </a:prstGeom>
+          <a:solidFill>
+            <a:srgbClr val="FF8700"/>
+          </a:solidFill>
+          <a:ln>
+            <a:noFill/>
+          </a:ln>
+        </p:spPr>
+        <p:style>
+          <a:lnRef idx="1">
+            <a:schemeClr val="accent1"/>
+          </a:lnRef>
+          <a:fillRef idx="3">
+            <a:schemeClr val="accent1"/>
+          </a:fillRef>
+          <a:effectRef idx="2">
+            <a:schemeClr val="accent1"/>
+          </a:effectRef>
+          <a:fontRef idx="minor">
+            <a:schemeClr val="lt1"/>
+          </a:fontRef>
+        </p:style>
+        <p:txBody>
+          <a:bodyPr rtlCol="0" anchor="ctr"/>
+          <a:lstStyle/>
+          <a:p>
+            <a:pPr algn="ctr"/>
+            <a:endParaRPr/>
+          </a:p>
+        </p:txBody>
+      </p:sp>
+      <p:pic>
+        <p:nvPicPr>
+          <p:cNvPr id="8" name="Immagine 7" descr="Immagine che contiene testo, diagramma, linea, schermata&#10;&#10;Il contenuto generato dall'IA potrebbe non essere corretto.">
+            <a:extLst>
+              <a:ext uri="{FF2B5EF4-FFF2-40B4-BE49-F238E27FC236}">
+                <a16:creationId xmlns:a16="http://schemas.microsoft.com/office/drawing/2014/main" id="{93E36CF1-F1E1-9F73-AEC2-BCC5BE040EB1}"/>
+              </a:ext>
+            </a:extLst>
+          </p:cNvPr>
+          <p:cNvPicPr>
+            <a:picLocks noChangeAspect="1"/>
+          </p:cNvPicPr>
+          <p:nvPr/>
+        </p:nvPicPr>
+        <p:blipFill>
+          <a:blip r:embed="rId4"/>
+          <a:stretch>
+            <a:fillRect/>
+          </a:stretch>
+        </p:blipFill>
+        <p:spPr>
+          <a:xfrm>
+            <a:off x="2438400" y="1130013"/>
+            <a:ext cx="7040880" cy="5092662"/>
+          </a:xfrm>
+          <a:prstGeom prst="rect">
+            <a:avLst/>
+          </a:prstGeom>
+        </p:spPr>
+      </p:pic>
+    </p:spTree>
+  </p:cSld>
+  <p:clrMapOvr>
+    <a:masterClrMapping/>
+  </p:clrMapOvr>
+</p:sld>
+</file>
+
+<file path=ppt/slides/slide19.xml><?xml version="1.0" encoding="utf-8"?>
+<p:sld xmlns:a="http://schemas.openxmlformats.org/drawingml/2006/main" xmlns:r="http://schemas.openxmlformats.org/officeDocument/2006/relationships" xmlns:p="http://schemas.openxmlformats.org/presentationml/2006/main">
+  <p:cSld>
+    <p:spTree>
+      <p:nvGrpSpPr>
+        <p:cNvPr id="1" name=""/>
+        <p:cNvGrpSpPr/>
+        <p:nvPr/>
+      </p:nvGrpSpPr>
+      <p:grpSpPr>
+        <a:xfrm>
+          <a:off x="0" y="0"/>
+          <a:ext cx="0" cy="0"/>
+          <a:chOff x="0" y="0"/>
+          <a:chExt cx="0" cy="0"/>
+        </a:xfrm>
+      </p:grpSpPr>
+      <p:sp>
+        <p:nvSpPr>
+          <p:cNvPr id="2" name="Rectangle 1"/>
+          <p:cNvSpPr/>
+          <p:nvPr/>
+        </p:nvSpPr>
+        <p:spPr>
+          <a:xfrm>
+            <a:off x="0" y="0"/>
+            <a:ext cx="12192000" cy="914400"/>
+          </a:xfrm>
+          <a:prstGeom prst="rect">
+            <a:avLst/>
+          </a:prstGeom>
+          <a:solidFill>
+            <a:srgbClr val="FF8700"/>
+          </a:solidFill>
+          <a:ln>
+            <a:noFill/>
+          </a:ln>
+        </p:spPr>
+        <p:style>
+          <a:lnRef idx="1">
+            <a:schemeClr val="accent1"/>
+          </a:lnRef>
+          <a:fillRef idx="3">
+            <a:schemeClr val="accent1"/>
+          </a:fillRef>
+          <a:effectRef idx="2">
+            <a:schemeClr val="accent1"/>
+          </a:effectRef>
+          <a:fontRef idx="minor">
+            <a:schemeClr val="lt1"/>
+          </a:fontRef>
+        </p:style>
+        <p:txBody>
+          <a:bodyPr rtlCol="0" anchor="ctr"/>
+          <a:lstStyle/>
+          <a:p>
+            <a:pPr algn="ctr"/>
+            <a:endParaRPr/>
+          </a:p>
+        </p:txBody>
+      </p:sp>
+      <p:sp>
+        <p:nvSpPr>
+          <p:cNvPr id="3" name="TextBox 2"/>
+          <p:cNvSpPr txBox="1"/>
+          <p:nvPr/>
+        </p:nvSpPr>
+        <p:spPr>
+          <a:xfrm>
+            <a:off x="1981201" y="164813"/>
             <a:ext cx="4435445" cy="584775"/>
           </a:xfrm>
           <a:prstGeom prst="rect">
@@ -16213,463 +17974,6 @@
           <a:xfrm>
             <a:off x="0" y="6693187"/>
             <a:ext cx="12192000" cy="164813"/>
-          </a:xfrm>
-          <a:prstGeom prst="rect">
-            <a:avLst/>
-          </a:prstGeom>
-          <a:solidFill>
-            <a:srgbClr val="FF8700"/>
-          </a:solidFill>
-          <a:ln>
-            <a:noFill/>
-          </a:ln>
-        </p:spPr>
-        <p:style>
-          <a:lnRef idx="1">
-            <a:schemeClr val="accent1"/>
-          </a:lnRef>
-          <a:fillRef idx="3">
-            <a:schemeClr val="accent1"/>
-          </a:fillRef>
-          <a:effectRef idx="2">
-            <a:schemeClr val="accent1"/>
-          </a:effectRef>
-          <a:fontRef idx="minor">
-            <a:schemeClr val="lt1"/>
-          </a:fontRef>
-        </p:style>
-        <p:txBody>
-          <a:bodyPr rtlCol="0" anchor="ctr"/>
-          <a:lstStyle/>
-          <a:p>
-            <a:pPr algn="ctr"/>
-            <a:endParaRPr/>
-          </a:p>
-        </p:txBody>
-      </p:sp>
-    </p:spTree>
-  </p:cSld>
-  <p:clrMapOvr>
-    <a:masterClrMapping/>
-  </p:clrMapOvr>
-</p:sld>
-</file>
-
-<file path=ppt/slides/slide19.xml><?xml version="1.0" encoding="utf-8"?>
-<p:sld xmlns:a="http://schemas.openxmlformats.org/drawingml/2006/main" xmlns:r="http://schemas.openxmlformats.org/officeDocument/2006/relationships" xmlns:p="http://schemas.openxmlformats.org/presentationml/2006/main">
-  <p:cSld>
-    <p:spTree>
-      <p:nvGrpSpPr>
-        <p:cNvPr id="1" name=""/>
-        <p:cNvGrpSpPr/>
-        <p:nvPr/>
-      </p:nvGrpSpPr>
-      <p:grpSpPr>
-        <a:xfrm>
-          <a:off x="0" y="0"/>
-          <a:ext cx="0" cy="0"/>
-          <a:chOff x="0" y="0"/>
-          <a:chExt cx="0" cy="0"/>
-        </a:xfrm>
-      </p:grpSpPr>
-      <p:sp>
-        <p:nvSpPr>
-          <p:cNvPr id="2" name="Rectangle 1"/>
-          <p:cNvSpPr/>
-          <p:nvPr/>
-        </p:nvSpPr>
-        <p:spPr>
-          <a:xfrm>
-            <a:off x="0" y="0"/>
-            <a:ext cx="12192000" cy="1097280"/>
-          </a:xfrm>
-          <a:prstGeom prst="rect">
-            <a:avLst/>
-          </a:prstGeom>
-          <a:solidFill>
-            <a:srgbClr val="FF8700"/>
-          </a:solidFill>
-          <a:ln>
-            <a:noFill/>
-          </a:ln>
-        </p:spPr>
-        <p:style>
-          <a:lnRef idx="1">
-            <a:schemeClr val="accent1"/>
-          </a:lnRef>
-          <a:fillRef idx="3">
-            <a:schemeClr val="accent1"/>
-          </a:fillRef>
-          <a:effectRef idx="2">
-            <a:schemeClr val="accent1"/>
-          </a:effectRef>
-          <a:fontRef idx="minor">
-            <a:schemeClr val="lt1"/>
-          </a:fontRef>
-        </p:style>
-        <p:txBody>
-          <a:bodyPr rtlCol="0" anchor="ctr"/>
-          <a:lstStyle/>
-          <a:p>
-            <a:pPr algn="ctr"/>
-            <a:endParaRPr/>
-          </a:p>
-        </p:txBody>
-      </p:sp>
-      <p:sp>
-        <p:nvSpPr>
-          <p:cNvPr id="3" name="TextBox 2"/>
-          <p:cNvSpPr txBox="1"/>
-          <p:nvPr/>
-        </p:nvSpPr>
-        <p:spPr>
-          <a:xfrm>
-            <a:off x="1981201" y="225475"/>
-            <a:ext cx="4783617" cy="646331"/>
-          </a:xfrm>
-          <a:prstGeom prst="rect">
-            <a:avLst/>
-          </a:prstGeom>
-          <a:noFill/>
-        </p:spPr>
-        <p:txBody>
-          <a:bodyPr wrap="none" anchor="ctr">
-            <a:spAutoFit/>
-          </a:bodyPr>
-          <a:lstStyle/>
-          <a:p>
-            <a:pPr algn="l">
-              <a:defRPr sz="3600" b="1">
-                <a:solidFill>
-                  <a:srgbClr val="FFFFFF"/>
-                </a:solidFill>
-              </a:defRPr>
-            </a:pPr>
-            <a:r>
-              <a:rPr sz="3600"/>
-              <a:t>Stili di Guida Identificati</a:t>
-            </a:r>
-          </a:p>
-        </p:txBody>
-      </p:sp>
-      <p:sp>
-        <p:nvSpPr>
-          <p:cNvPr id="4" name="TextBox 3"/>
-          <p:cNvSpPr txBox="1"/>
-          <p:nvPr/>
-        </p:nvSpPr>
-        <p:spPr>
-          <a:xfrm>
-            <a:off x="2164080" y="2074123"/>
-            <a:ext cx="7863840" cy="3170099"/>
-          </a:xfrm>
-          <a:prstGeom prst="rect">
-            <a:avLst/>
-          </a:prstGeom>
-          <a:noFill/>
-        </p:spPr>
-        <p:txBody>
-          <a:bodyPr wrap="square">
-            <a:spAutoFit/>
-          </a:bodyPr>
-          <a:lstStyle/>
-          <a:p>
-            <a:pPr marL="342900" indent="-342900">
-              <a:spcAft>
-                <a:spcPts val="1200"/>
-              </a:spcAft>
-              <a:buFont typeface="Arial" panose="020B0604020202020204" pitchFamily="34" charset="0"/>
-              <a:buChar char="•"/>
-              <a:defRPr sz="2000">
-                <a:solidFill>
-                  <a:srgbClr val="1E1E1E"/>
-                </a:solidFill>
-              </a:defRPr>
-            </a:pPr>
-            <a:r>
-              <a:rPr sz="2000" dirty="0" err="1">
-                <a:solidFill>
-                  <a:schemeClr val="bg1"/>
-                </a:solidFill>
-              </a:rPr>
-              <a:t>Esempi</a:t>
-            </a:r>
-            <a:r>
-              <a:rPr sz="2000" dirty="0">
-                <a:solidFill>
-                  <a:schemeClr val="bg1"/>
-                </a:solidFill>
-              </a:rPr>
-              <a:t> di </a:t>
-            </a:r>
-            <a:r>
-              <a:rPr sz="2000" dirty="0" err="1">
-                <a:solidFill>
-                  <a:schemeClr val="bg1"/>
-                </a:solidFill>
-              </a:rPr>
-              <a:t>piloti</a:t>
-            </a:r>
-            <a:r>
-              <a:rPr sz="2000" dirty="0">
-                <a:solidFill>
-                  <a:schemeClr val="bg1"/>
-                </a:solidFill>
-              </a:rPr>
-              <a:t> per cluster</a:t>
-            </a:r>
-            <a:r>
-              <a:rPr lang="it-IT" sz="2000" dirty="0">
-                <a:solidFill>
-                  <a:schemeClr val="bg1"/>
-                </a:solidFill>
-              </a:rPr>
-              <a:t>:</a:t>
-            </a:r>
-          </a:p>
-          <a:p>
-            <a:pPr marL="800100" lvl="1" indent="-342900">
-              <a:spcAft>
-                <a:spcPts val="1200"/>
-              </a:spcAft>
-              <a:buFont typeface="Arial" panose="020B0604020202020204" pitchFamily="34" charset="0"/>
-              <a:buChar char="•"/>
-              <a:defRPr sz="2000">
-                <a:solidFill>
-                  <a:srgbClr val="1E1E1E"/>
-                </a:solidFill>
-              </a:defRPr>
-            </a:pPr>
-            <a:r>
-              <a:rPr lang="it-IT" sz="2000" dirty="0">
-                <a:solidFill>
-                  <a:schemeClr val="bg1"/>
-                </a:solidFill>
-              </a:rPr>
-              <a:t>Cluster 2: Verstappen, Leclerc (guida a ‘V’)</a:t>
-            </a:r>
-          </a:p>
-          <a:p>
-            <a:pPr marL="800100" lvl="1" indent="-342900">
-              <a:spcAft>
-                <a:spcPts val="1200"/>
-              </a:spcAft>
-              <a:buFont typeface="Arial" panose="020B0604020202020204" pitchFamily="34" charset="0"/>
-              <a:buChar char="•"/>
-              <a:defRPr sz="2000">
-                <a:solidFill>
-                  <a:srgbClr val="1E1E1E"/>
-                </a:solidFill>
-              </a:defRPr>
-            </a:pPr>
-            <a:r>
-              <a:rPr lang="it-IT" sz="2000" dirty="0">
-                <a:solidFill>
-                  <a:schemeClr val="bg1"/>
-                </a:solidFill>
-              </a:rPr>
-              <a:t>Cluster 4: Norris, Russell (guida fluida)</a:t>
-            </a:r>
-          </a:p>
-          <a:p>
-            <a:pPr>
-              <a:spcAft>
-                <a:spcPts val="1200"/>
-              </a:spcAft>
-              <a:defRPr sz="2000">
-                <a:solidFill>
-                  <a:srgbClr val="1E1E1E"/>
-                </a:solidFill>
-              </a:defRPr>
-            </a:pPr>
-            <a:endParaRPr sz="2000" dirty="0">
-              <a:solidFill>
-                <a:schemeClr val="bg1"/>
-              </a:solidFill>
-            </a:endParaRPr>
-          </a:p>
-          <a:p>
-            <a:pPr marL="342900" indent="-342900">
-              <a:spcAft>
-                <a:spcPts val="1200"/>
-              </a:spcAft>
-              <a:buFont typeface="Arial" panose="020B0604020202020204" pitchFamily="34" charset="0"/>
-              <a:buChar char="•"/>
-              <a:defRPr sz="2000">
-                <a:solidFill>
-                  <a:srgbClr val="1E1E1E"/>
-                </a:solidFill>
-              </a:defRPr>
-            </a:pPr>
-            <a:r>
-              <a:rPr sz="2000" dirty="0" err="1">
-                <a:solidFill>
-                  <a:schemeClr val="bg1"/>
-                </a:solidFill>
-              </a:rPr>
-              <a:t>Risultati</a:t>
-            </a:r>
-            <a:r>
-              <a:rPr sz="2000" dirty="0">
-                <a:solidFill>
-                  <a:schemeClr val="bg1"/>
-                </a:solidFill>
-              </a:rPr>
-              <a:t> </a:t>
-            </a:r>
-            <a:r>
-              <a:rPr sz="2000" dirty="0" err="1">
-                <a:solidFill>
-                  <a:schemeClr val="bg1"/>
-                </a:solidFill>
-              </a:rPr>
-              <a:t>coerenti</a:t>
-            </a:r>
-            <a:r>
-              <a:rPr sz="2000" dirty="0">
-                <a:solidFill>
-                  <a:schemeClr val="bg1"/>
-                </a:solidFill>
-              </a:rPr>
-              <a:t> con </a:t>
-            </a:r>
-            <a:r>
-              <a:rPr sz="2000" dirty="0" err="1">
-                <a:solidFill>
-                  <a:schemeClr val="bg1"/>
-                </a:solidFill>
-              </a:rPr>
-              <a:t>osservazioni</a:t>
-            </a:r>
-            <a:r>
-              <a:rPr sz="2000" dirty="0">
-                <a:solidFill>
-                  <a:schemeClr val="bg1"/>
-                </a:solidFill>
-              </a:rPr>
-              <a:t> </a:t>
-            </a:r>
-            <a:r>
-              <a:rPr sz="2000" dirty="0" err="1">
-                <a:solidFill>
-                  <a:schemeClr val="bg1"/>
-                </a:solidFill>
-              </a:rPr>
-              <a:t>reali</a:t>
-            </a:r>
-            <a:r>
-              <a:rPr sz="2000" dirty="0">
-                <a:solidFill>
-                  <a:schemeClr val="bg1"/>
-                </a:solidFill>
-              </a:rPr>
-              <a:t> F1</a:t>
-            </a:r>
-          </a:p>
-          <a:p>
-            <a:pPr>
-              <a:spcAft>
-                <a:spcPts val="1200"/>
-              </a:spcAft>
-              <a:defRPr sz="2000">
-                <a:solidFill>
-                  <a:srgbClr val="1E1E1E"/>
-                </a:solidFill>
-              </a:defRPr>
-            </a:pPr>
-            <a:endParaRPr sz="2000" dirty="0">
-              <a:solidFill>
-                <a:schemeClr val="bg1"/>
-              </a:solidFill>
-            </a:endParaRPr>
-          </a:p>
-          <a:p>
-            <a:pPr marL="342900" indent="-342900">
-              <a:spcAft>
-                <a:spcPts val="1200"/>
-              </a:spcAft>
-              <a:buFont typeface="Arial" panose="020B0604020202020204" pitchFamily="34" charset="0"/>
-              <a:buChar char="•"/>
-              <a:defRPr sz="2000">
-                <a:solidFill>
-                  <a:srgbClr val="1E1E1E"/>
-                </a:solidFill>
-              </a:defRPr>
-            </a:pPr>
-            <a:r>
-              <a:rPr sz="2000" dirty="0" err="1">
-                <a:solidFill>
-                  <a:schemeClr val="bg1"/>
-                </a:solidFill>
-              </a:rPr>
-              <a:t>Limitazione</a:t>
-            </a:r>
-            <a:r>
-              <a:rPr sz="2000" dirty="0">
-                <a:solidFill>
-                  <a:schemeClr val="bg1"/>
-                </a:solidFill>
-              </a:rPr>
-              <a:t>: </a:t>
-            </a:r>
-            <a:r>
-              <a:rPr sz="2000" dirty="0" err="1">
-                <a:solidFill>
-                  <a:schemeClr val="bg1"/>
-                </a:solidFill>
-              </a:rPr>
-              <a:t>dipendenza</a:t>
-            </a:r>
-            <a:r>
-              <a:rPr sz="2000" dirty="0">
-                <a:solidFill>
-                  <a:schemeClr val="bg1"/>
-                </a:solidFill>
-              </a:rPr>
-              <a:t> da </a:t>
-            </a:r>
-            <a:r>
-              <a:rPr sz="2000" dirty="0" err="1">
-                <a:solidFill>
-                  <a:schemeClr val="bg1"/>
-                </a:solidFill>
-              </a:rPr>
-              <a:t>geometria</a:t>
-            </a:r>
-            <a:r>
-              <a:rPr sz="2000" dirty="0">
-                <a:solidFill>
-                  <a:schemeClr val="bg1"/>
-                </a:solidFill>
-              </a:rPr>
-              <a:t> </a:t>
-            </a:r>
-            <a:r>
-              <a:rPr sz="2000" dirty="0" err="1">
-                <a:solidFill>
-                  <a:schemeClr val="bg1"/>
-                </a:solidFill>
-              </a:rPr>
-              <a:t>tracciato</a:t>
-            </a:r>
-            <a:endParaRPr sz="2000" dirty="0">
-              <a:solidFill>
-                <a:schemeClr val="bg1"/>
-              </a:solidFill>
-            </a:endParaRPr>
-          </a:p>
-        </p:txBody>
-      </p:sp>
-      <p:sp>
-        <p:nvSpPr>
-          <p:cNvPr id="5" name="Rectangle 4"/>
-          <p:cNvSpPr/>
-          <p:nvPr/>
-        </p:nvSpPr>
-        <p:spPr>
-          <a:xfrm>
-            <a:off x="0" y="6675120"/>
-            <a:ext cx="12192000" cy="182880"/>
           </a:xfrm>
           <a:prstGeom prst="rect">
             <a:avLst/>
@@ -24528,6 +25832,463 @@
             <a:avLst/>
           </a:prstGeom>
           <a:solidFill>
+            <a:srgbClr val="FF8700"/>
+          </a:solidFill>
+          <a:ln>
+            <a:noFill/>
+          </a:ln>
+        </p:spPr>
+        <p:style>
+          <a:lnRef idx="1">
+            <a:schemeClr val="accent1"/>
+          </a:lnRef>
+          <a:fillRef idx="3">
+            <a:schemeClr val="accent1"/>
+          </a:fillRef>
+          <a:effectRef idx="2">
+            <a:schemeClr val="accent1"/>
+          </a:effectRef>
+          <a:fontRef idx="minor">
+            <a:schemeClr val="lt1"/>
+          </a:fontRef>
+        </p:style>
+        <p:txBody>
+          <a:bodyPr rtlCol="0" anchor="ctr"/>
+          <a:lstStyle/>
+          <a:p>
+            <a:pPr algn="ctr"/>
+            <a:endParaRPr/>
+          </a:p>
+        </p:txBody>
+      </p:sp>
+      <p:sp>
+        <p:nvSpPr>
+          <p:cNvPr id="3" name="TextBox 2"/>
+          <p:cNvSpPr txBox="1"/>
+          <p:nvPr/>
+        </p:nvSpPr>
+        <p:spPr>
+          <a:xfrm>
+            <a:off x="1981201" y="225475"/>
+            <a:ext cx="4783617" cy="646331"/>
+          </a:xfrm>
+          <a:prstGeom prst="rect">
+            <a:avLst/>
+          </a:prstGeom>
+          <a:noFill/>
+        </p:spPr>
+        <p:txBody>
+          <a:bodyPr wrap="none" anchor="ctr">
+            <a:spAutoFit/>
+          </a:bodyPr>
+          <a:lstStyle/>
+          <a:p>
+            <a:pPr algn="l">
+              <a:defRPr sz="3600" b="1">
+                <a:solidFill>
+                  <a:srgbClr val="FFFFFF"/>
+                </a:solidFill>
+              </a:defRPr>
+            </a:pPr>
+            <a:r>
+              <a:rPr sz="3600"/>
+              <a:t>Stili di Guida Identificati</a:t>
+            </a:r>
+          </a:p>
+        </p:txBody>
+      </p:sp>
+      <p:sp>
+        <p:nvSpPr>
+          <p:cNvPr id="4" name="TextBox 3"/>
+          <p:cNvSpPr txBox="1"/>
+          <p:nvPr/>
+        </p:nvSpPr>
+        <p:spPr>
+          <a:xfrm>
+            <a:off x="2164080" y="2074123"/>
+            <a:ext cx="7863840" cy="3170099"/>
+          </a:xfrm>
+          <a:prstGeom prst="rect">
+            <a:avLst/>
+          </a:prstGeom>
+          <a:noFill/>
+        </p:spPr>
+        <p:txBody>
+          <a:bodyPr wrap="square">
+            <a:spAutoFit/>
+          </a:bodyPr>
+          <a:lstStyle/>
+          <a:p>
+            <a:pPr marL="342900" indent="-342900">
+              <a:spcAft>
+                <a:spcPts val="1200"/>
+              </a:spcAft>
+              <a:buFont typeface="Arial" panose="020B0604020202020204" pitchFamily="34" charset="0"/>
+              <a:buChar char="•"/>
+              <a:defRPr sz="2000">
+                <a:solidFill>
+                  <a:srgbClr val="1E1E1E"/>
+                </a:solidFill>
+              </a:defRPr>
+            </a:pPr>
+            <a:r>
+              <a:rPr sz="2000" dirty="0" err="1">
+                <a:solidFill>
+                  <a:schemeClr val="bg1"/>
+                </a:solidFill>
+              </a:rPr>
+              <a:t>Esempi</a:t>
+            </a:r>
+            <a:r>
+              <a:rPr sz="2000" dirty="0">
+                <a:solidFill>
+                  <a:schemeClr val="bg1"/>
+                </a:solidFill>
+              </a:rPr>
+              <a:t> di </a:t>
+            </a:r>
+            <a:r>
+              <a:rPr sz="2000" dirty="0" err="1">
+                <a:solidFill>
+                  <a:schemeClr val="bg1"/>
+                </a:solidFill>
+              </a:rPr>
+              <a:t>piloti</a:t>
+            </a:r>
+            <a:r>
+              <a:rPr sz="2000" dirty="0">
+                <a:solidFill>
+                  <a:schemeClr val="bg1"/>
+                </a:solidFill>
+              </a:rPr>
+              <a:t> per cluster</a:t>
+            </a:r>
+            <a:r>
+              <a:rPr lang="it-IT" sz="2000" dirty="0">
+                <a:solidFill>
+                  <a:schemeClr val="bg1"/>
+                </a:solidFill>
+              </a:rPr>
+              <a:t>:</a:t>
+            </a:r>
+          </a:p>
+          <a:p>
+            <a:pPr marL="800100" lvl="1" indent="-342900">
+              <a:spcAft>
+                <a:spcPts val="1200"/>
+              </a:spcAft>
+              <a:buFont typeface="Arial" panose="020B0604020202020204" pitchFamily="34" charset="0"/>
+              <a:buChar char="•"/>
+              <a:defRPr sz="2000">
+                <a:solidFill>
+                  <a:srgbClr val="1E1E1E"/>
+                </a:solidFill>
+              </a:defRPr>
+            </a:pPr>
+            <a:r>
+              <a:rPr lang="it-IT" sz="2000" dirty="0">
+                <a:solidFill>
+                  <a:schemeClr val="bg1"/>
+                </a:solidFill>
+              </a:rPr>
+              <a:t>Cluster 2: Verstappen, Leclerc (guida a ‘V’)</a:t>
+            </a:r>
+          </a:p>
+          <a:p>
+            <a:pPr marL="800100" lvl="1" indent="-342900">
+              <a:spcAft>
+                <a:spcPts val="1200"/>
+              </a:spcAft>
+              <a:buFont typeface="Arial" panose="020B0604020202020204" pitchFamily="34" charset="0"/>
+              <a:buChar char="•"/>
+              <a:defRPr sz="2000">
+                <a:solidFill>
+                  <a:srgbClr val="1E1E1E"/>
+                </a:solidFill>
+              </a:defRPr>
+            </a:pPr>
+            <a:r>
+              <a:rPr lang="it-IT" sz="2000" dirty="0">
+                <a:solidFill>
+                  <a:schemeClr val="bg1"/>
+                </a:solidFill>
+              </a:rPr>
+              <a:t>Cluster 4: Norris, Russell (guida fluida)</a:t>
+            </a:r>
+          </a:p>
+          <a:p>
+            <a:pPr>
+              <a:spcAft>
+                <a:spcPts val="1200"/>
+              </a:spcAft>
+              <a:defRPr sz="2000">
+                <a:solidFill>
+                  <a:srgbClr val="1E1E1E"/>
+                </a:solidFill>
+              </a:defRPr>
+            </a:pPr>
+            <a:endParaRPr sz="2000" dirty="0">
+              <a:solidFill>
+                <a:schemeClr val="bg1"/>
+              </a:solidFill>
+            </a:endParaRPr>
+          </a:p>
+          <a:p>
+            <a:pPr marL="342900" indent="-342900">
+              <a:spcAft>
+                <a:spcPts val="1200"/>
+              </a:spcAft>
+              <a:buFont typeface="Arial" panose="020B0604020202020204" pitchFamily="34" charset="0"/>
+              <a:buChar char="•"/>
+              <a:defRPr sz="2000">
+                <a:solidFill>
+                  <a:srgbClr val="1E1E1E"/>
+                </a:solidFill>
+              </a:defRPr>
+            </a:pPr>
+            <a:r>
+              <a:rPr sz="2000" dirty="0" err="1">
+                <a:solidFill>
+                  <a:schemeClr val="bg1"/>
+                </a:solidFill>
+              </a:rPr>
+              <a:t>Risultati</a:t>
+            </a:r>
+            <a:r>
+              <a:rPr sz="2000" dirty="0">
+                <a:solidFill>
+                  <a:schemeClr val="bg1"/>
+                </a:solidFill>
+              </a:rPr>
+              <a:t> </a:t>
+            </a:r>
+            <a:r>
+              <a:rPr sz="2000" dirty="0" err="1">
+                <a:solidFill>
+                  <a:schemeClr val="bg1"/>
+                </a:solidFill>
+              </a:rPr>
+              <a:t>coerenti</a:t>
+            </a:r>
+            <a:r>
+              <a:rPr sz="2000" dirty="0">
+                <a:solidFill>
+                  <a:schemeClr val="bg1"/>
+                </a:solidFill>
+              </a:rPr>
+              <a:t> con </a:t>
+            </a:r>
+            <a:r>
+              <a:rPr sz="2000" dirty="0" err="1">
+                <a:solidFill>
+                  <a:schemeClr val="bg1"/>
+                </a:solidFill>
+              </a:rPr>
+              <a:t>osservazioni</a:t>
+            </a:r>
+            <a:r>
+              <a:rPr sz="2000" dirty="0">
+                <a:solidFill>
+                  <a:schemeClr val="bg1"/>
+                </a:solidFill>
+              </a:rPr>
+              <a:t> </a:t>
+            </a:r>
+            <a:r>
+              <a:rPr sz="2000" dirty="0" err="1">
+                <a:solidFill>
+                  <a:schemeClr val="bg1"/>
+                </a:solidFill>
+              </a:rPr>
+              <a:t>reali</a:t>
+            </a:r>
+            <a:r>
+              <a:rPr sz="2000" dirty="0">
+                <a:solidFill>
+                  <a:schemeClr val="bg1"/>
+                </a:solidFill>
+              </a:rPr>
+              <a:t> F1</a:t>
+            </a:r>
+          </a:p>
+          <a:p>
+            <a:pPr>
+              <a:spcAft>
+                <a:spcPts val="1200"/>
+              </a:spcAft>
+              <a:defRPr sz="2000">
+                <a:solidFill>
+                  <a:srgbClr val="1E1E1E"/>
+                </a:solidFill>
+              </a:defRPr>
+            </a:pPr>
+            <a:endParaRPr sz="2000" dirty="0">
+              <a:solidFill>
+                <a:schemeClr val="bg1"/>
+              </a:solidFill>
+            </a:endParaRPr>
+          </a:p>
+          <a:p>
+            <a:pPr marL="342900" indent="-342900">
+              <a:spcAft>
+                <a:spcPts val="1200"/>
+              </a:spcAft>
+              <a:buFont typeface="Arial" panose="020B0604020202020204" pitchFamily="34" charset="0"/>
+              <a:buChar char="•"/>
+              <a:defRPr sz="2000">
+                <a:solidFill>
+                  <a:srgbClr val="1E1E1E"/>
+                </a:solidFill>
+              </a:defRPr>
+            </a:pPr>
+            <a:r>
+              <a:rPr sz="2000" dirty="0" err="1">
+                <a:solidFill>
+                  <a:schemeClr val="bg1"/>
+                </a:solidFill>
+              </a:rPr>
+              <a:t>Limitazione</a:t>
+            </a:r>
+            <a:r>
+              <a:rPr sz="2000" dirty="0">
+                <a:solidFill>
+                  <a:schemeClr val="bg1"/>
+                </a:solidFill>
+              </a:rPr>
+              <a:t>: </a:t>
+            </a:r>
+            <a:r>
+              <a:rPr sz="2000" dirty="0" err="1">
+                <a:solidFill>
+                  <a:schemeClr val="bg1"/>
+                </a:solidFill>
+              </a:rPr>
+              <a:t>dipendenza</a:t>
+            </a:r>
+            <a:r>
+              <a:rPr sz="2000" dirty="0">
+                <a:solidFill>
+                  <a:schemeClr val="bg1"/>
+                </a:solidFill>
+              </a:rPr>
+              <a:t> da </a:t>
+            </a:r>
+            <a:r>
+              <a:rPr sz="2000" dirty="0" err="1">
+                <a:solidFill>
+                  <a:schemeClr val="bg1"/>
+                </a:solidFill>
+              </a:rPr>
+              <a:t>geometria</a:t>
+            </a:r>
+            <a:r>
+              <a:rPr sz="2000" dirty="0">
+                <a:solidFill>
+                  <a:schemeClr val="bg1"/>
+                </a:solidFill>
+              </a:rPr>
+              <a:t> </a:t>
+            </a:r>
+            <a:r>
+              <a:rPr sz="2000" dirty="0" err="1">
+                <a:solidFill>
+                  <a:schemeClr val="bg1"/>
+                </a:solidFill>
+              </a:rPr>
+              <a:t>tracciato</a:t>
+            </a:r>
+            <a:endParaRPr sz="2000" dirty="0">
+              <a:solidFill>
+                <a:schemeClr val="bg1"/>
+              </a:solidFill>
+            </a:endParaRPr>
+          </a:p>
+        </p:txBody>
+      </p:sp>
+      <p:sp>
+        <p:nvSpPr>
+          <p:cNvPr id="5" name="Rectangle 4"/>
+          <p:cNvSpPr/>
+          <p:nvPr/>
+        </p:nvSpPr>
+        <p:spPr>
+          <a:xfrm>
+            <a:off x="0" y="6675120"/>
+            <a:ext cx="12192000" cy="182880"/>
+          </a:xfrm>
+          <a:prstGeom prst="rect">
+            <a:avLst/>
+          </a:prstGeom>
+          <a:solidFill>
+            <a:srgbClr val="FF8700"/>
+          </a:solidFill>
+          <a:ln>
+            <a:noFill/>
+          </a:ln>
+        </p:spPr>
+        <p:style>
+          <a:lnRef idx="1">
+            <a:schemeClr val="accent1"/>
+          </a:lnRef>
+          <a:fillRef idx="3">
+            <a:schemeClr val="accent1"/>
+          </a:fillRef>
+          <a:effectRef idx="2">
+            <a:schemeClr val="accent1"/>
+          </a:effectRef>
+          <a:fontRef idx="minor">
+            <a:schemeClr val="lt1"/>
+          </a:fontRef>
+        </p:style>
+        <p:txBody>
+          <a:bodyPr rtlCol="0" anchor="ctr"/>
+          <a:lstStyle/>
+          <a:p>
+            <a:pPr algn="ctr"/>
+            <a:endParaRPr/>
+          </a:p>
+        </p:txBody>
+      </p:sp>
+    </p:spTree>
+  </p:cSld>
+  <p:clrMapOvr>
+    <a:masterClrMapping/>
+  </p:clrMapOvr>
+</p:sld>
+</file>
+
+<file path=ppt/slides/slide21.xml><?xml version="1.0" encoding="utf-8"?>
+<p:sld xmlns:a="http://schemas.openxmlformats.org/drawingml/2006/main" xmlns:r="http://schemas.openxmlformats.org/officeDocument/2006/relationships" xmlns:p="http://schemas.openxmlformats.org/presentationml/2006/main">
+  <p:cSld>
+    <p:spTree>
+      <p:nvGrpSpPr>
+        <p:cNvPr id="1" name=""/>
+        <p:cNvGrpSpPr/>
+        <p:nvPr/>
+      </p:nvGrpSpPr>
+      <p:grpSpPr>
+        <a:xfrm>
+          <a:off x="0" y="0"/>
+          <a:ext cx="0" cy="0"/>
+          <a:chOff x="0" y="0"/>
+          <a:chExt cx="0" cy="0"/>
+        </a:xfrm>
+      </p:grpSpPr>
+      <p:sp>
+        <p:nvSpPr>
+          <p:cNvPr id="2" name="Rectangle 1"/>
+          <p:cNvSpPr/>
+          <p:nvPr/>
+        </p:nvSpPr>
+        <p:spPr>
+          <a:xfrm>
+            <a:off x="0" y="0"/>
+            <a:ext cx="12192000" cy="1097280"/>
+          </a:xfrm>
+          <a:prstGeom prst="rect">
+            <a:avLst/>
+          </a:prstGeom>
+          <a:solidFill>
             <a:srgbClr val="E10600"/>
           </a:solidFill>
           <a:ln>
@@ -25182,7 +26943,7 @@
 </p:sld>
 </file>
 
-<file path=ppt/slides/slide21.xml><?xml version="1.0" encoding="utf-8"?>
+<file path=ppt/slides/slide22.xml><?xml version="1.0" encoding="utf-8"?>
 <p:sld xmlns:a="http://schemas.openxmlformats.org/drawingml/2006/main" xmlns:r="http://schemas.openxmlformats.org/officeDocument/2006/relationships" xmlns:p="http://schemas.openxmlformats.org/presentationml/2006/main">
   <p:cSld>
     <p:spTree>
@@ -35888,7 +37649,7 @@
                 </a:solidFill>
                 <a:latin typeface="Formula1 Display-Regular" panose="02000000000000000000" pitchFamily="2" charset="0"/>
               </a:rPr>
-              <a:t>Statistiche riassuntive</a:t>
+              <a:t>Statistiche descrittive;</a:t>
             </a:r>
           </a:p>
           <a:p>
@@ -36462,7 +38223,7 @@
                 </a:solidFill>
                 <a:latin typeface="Formula1 Display-Regular" panose="02000000000000000000" pitchFamily="2" charset="0"/>
               </a:rPr>
-              <a:t>Statistiche riassuntive</a:t>
+              <a:t>Statistiche descrittive;</a:t>
             </a:r>
           </a:p>
           <a:p>

--- a/presentazione_F1_10min.pptx
+++ b/presentazione_F1_10min.pptx
@@ -524,6 +524,13 @@
           </p:nvPr>
         </p:nvSpPr>
         <p:spPr/>
+        <p:txBody>
+          <a:bodyPr/>
+          <a:lstStyle/>
+          <a:p>
+            <a:endParaRPr lang="it-IT"/>
+          </a:p>
+        </p:txBody>
       </p:sp>
       <p:sp>
         <p:nvSpPr>
@@ -613,6 +620,13 @@
             <a:ext cx="5486400" cy="3086100"/>
           </a:xfrm>
         </p:spPr>
+        <p:txBody>
+          <a:bodyPr/>
+          <a:lstStyle/>
+          <a:p>
+            <a:endParaRPr lang="it-IT"/>
+          </a:p>
+        </p:txBody>
       </p:sp>
       <p:sp>
         <p:nvSpPr>
@@ -939,6 +953,13 @@
           </p:nvPr>
         </p:nvSpPr>
         <p:spPr/>
+        <p:txBody>
+          <a:bodyPr/>
+          <a:lstStyle/>
+          <a:p>
+            <a:endParaRPr lang="it-IT"/>
+          </a:p>
+        </p:txBody>
       </p:sp>
     </p:spTree>
   </p:cSld>
@@ -981,6 +1002,13 @@
             <a:ext cx="5486400" cy="3086100"/>
           </a:xfrm>
         </p:spPr>
+        <p:txBody>
+          <a:bodyPr/>
+          <a:lstStyle/>
+          <a:p>
+            <a:endParaRPr lang="it-IT"/>
+          </a:p>
+        </p:txBody>
       </p:sp>
       <p:sp>
         <p:nvSpPr>
@@ -1626,6 +1654,13 @@
           </p:nvPr>
         </p:nvSpPr>
         <p:spPr/>
+        <p:txBody>
+          <a:bodyPr/>
+          <a:lstStyle/>
+          <a:p>
+            <a:endParaRPr lang="it-IT"/>
+          </a:p>
+        </p:txBody>
       </p:sp>
     </p:spTree>
   </p:cSld>
@@ -1668,6 +1703,13 @@
             <a:ext cx="5486400" cy="3086100"/>
           </a:xfrm>
         </p:spPr>
+        <p:txBody>
+          <a:bodyPr/>
+          <a:lstStyle/>
+          <a:p>
+            <a:endParaRPr lang="it-IT"/>
+          </a:p>
+        </p:txBody>
       </p:sp>
       <p:sp>
         <p:nvSpPr>
@@ -1766,6 +1808,13 @@
           </p:nvPr>
         </p:nvSpPr>
         <p:spPr/>
+        <p:txBody>
+          <a:bodyPr/>
+          <a:lstStyle/>
+          <a:p>
+            <a:endParaRPr lang="it-IT"/>
+          </a:p>
+        </p:txBody>
       </p:sp>
     </p:spTree>
   </p:cSld>
@@ -1808,6 +1857,13 @@
             <a:ext cx="5486400" cy="3086100"/>
           </a:xfrm>
         </p:spPr>
+        <p:txBody>
+          <a:bodyPr/>
+          <a:lstStyle/>
+          <a:p>
+            <a:endParaRPr lang="it-IT"/>
+          </a:p>
+        </p:txBody>
       </p:sp>
       <p:sp>
         <p:nvSpPr>
@@ -1906,6 +1962,13 @@
           </p:nvPr>
         </p:nvSpPr>
         <p:spPr/>
+        <p:txBody>
+          <a:bodyPr/>
+          <a:lstStyle/>
+          <a:p>
+            <a:endParaRPr lang="it-IT"/>
+          </a:p>
+        </p:txBody>
       </p:sp>
     </p:spTree>
   </p:cSld>
@@ -1948,6 +2011,13 @@
             <a:ext cx="5486400" cy="3086100"/>
           </a:xfrm>
         </p:spPr>
+        <p:txBody>
+          <a:bodyPr/>
+          <a:lstStyle/>
+          <a:p>
+            <a:endParaRPr lang="it-IT"/>
+          </a:p>
+        </p:txBody>
       </p:sp>
       <p:sp>
         <p:nvSpPr>
@@ -2056,6 +2126,13 @@
           </p:nvPr>
         </p:nvSpPr>
         <p:spPr/>
+        <p:txBody>
+          <a:bodyPr/>
+          <a:lstStyle/>
+          <a:p>
+            <a:endParaRPr lang="it-IT"/>
+          </a:p>
+        </p:txBody>
       </p:sp>
     </p:spTree>
   </p:cSld>
@@ -2110,6 +2187,13 @@
             <a:ext cx="5486400" cy="3086100"/>
           </a:xfrm>
         </p:spPr>
+        <p:txBody>
+          <a:bodyPr/>
+          <a:lstStyle/>
+          <a:p>
+            <a:endParaRPr lang="it-IT"/>
+          </a:p>
+        </p:txBody>
       </p:sp>
       <p:sp>
         <p:nvSpPr>
@@ -2230,6 +2314,13 @@
           </p:nvPr>
         </p:nvSpPr>
         <p:spPr/>
+        <p:txBody>
+          <a:bodyPr/>
+          <a:lstStyle/>
+          <a:p>
+            <a:endParaRPr lang="it-IT"/>
+          </a:p>
+        </p:txBody>
       </p:sp>
     </p:spTree>
     <p:extLst>
@@ -2277,6 +2368,13 @@
             <a:ext cx="5486400" cy="3086100"/>
           </a:xfrm>
         </p:spPr>
+        <p:txBody>
+          <a:bodyPr/>
+          <a:lstStyle/>
+          <a:p>
+            <a:endParaRPr lang="it-IT"/>
+          </a:p>
+        </p:txBody>
       </p:sp>
       <p:sp>
         <p:nvSpPr>
@@ -2472,6 +2570,13 @@
           </p:nvPr>
         </p:nvSpPr>
         <p:spPr/>
+        <p:txBody>
+          <a:bodyPr/>
+          <a:lstStyle/>
+          <a:p>
+            <a:endParaRPr lang="it-IT"/>
+          </a:p>
+        </p:txBody>
       </p:sp>
     </p:spTree>
   </p:cSld>
@@ -2526,6 +2631,13 @@
             <a:ext cx="5486400" cy="3086100"/>
           </a:xfrm>
         </p:spPr>
+        <p:txBody>
+          <a:bodyPr/>
+          <a:lstStyle/>
+          <a:p>
+            <a:endParaRPr lang="it-IT"/>
+          </a:p>
+        </p:txBody>
       </p:sp>
       <p:sp>
         <p:nvSpPr>
@@ -2733,6 +2845,13 @@
           </p:nvPr>
         </p:nvSpPr>
         <p:spPr/>
+        <p:txBody>
+          <a:bodyPr/>
+          <a:lstStyle/>
+          <a:p>
+            <a:endParaRPr lang="it-IT"/>
+          </a:p>
+        </p:txBody>
       </p:sp>
     </p:spTree>
     <p:extLst>
@@ -2780,6 +2899,13 @@
             <a:ext cx="5486400" cy="3086100"/>
           </a:xfrm>
         </p:spPr>
+        <p:txBody>
+          <a:bodyPr/>
+          <a:lstStyle/>
+          <a:p>
+            <a:endParaRPr lang="it-IT"/>
+          </a:p>
+        </p:txBody>
       </p:sp>
       <p:sp>
         <p:nvSpPr>
@@ -2878,6 +3004,13 @@
           </p:nvPr>
         </p:nvSpPr>
         <p:spPr/>
+        <p:txBody>
+          <a:bodyPr/>
+          <a:lstStyle/>
+          <a:p>
+            <a:endParaRPr lang="it-IT"/>
+          </a:p>
+        </p:txBody>
       </p:sp>
     </p:spTree>
   </p:cSld>
@@ -2920,6 +3053,13 @@
             <a:ext cx="5486400" cy="3086100"/>
           </a:xfrm>
         </p:spPr>
+        <p:txBody>
+          <a:bodyPr/>
+          <a:lstStyle/>
+          <a:p>
+            <a:endParaRPr lang="it-IT"/>
+          </a:p>
+        </p:txBody>
       </p:sp>
       <p:sp>
         <p:nvSpPr>
@@ -3008,6 +3148,13 @@
           </p:nvPr>
         </p:nvSpPr>
         <p:spPr/>
+        <p:txBody>
+          <a:bodyPr/>
+          <a:lstStyle/>
+          <a:p>
+            <a:endParaRPr lang="it-IT"/>
+          </a:p>
+        </p:txBody>
       </p:sp>
     </p:spTree>
   </p:cSld>
@@ -3050,6 +3197,13 @@
             <a:ext cx="5486400" cy="3086100"/>
           </a:xfrm>
         </p:spPr>
+        <p:txBody>
+          <a:bodyPr/>
+          <a:lstStyle/>
+          <a:p>
+            <a:endParaRPr lang="it-IT"/>
+          </a:p>
+        </p:txBody>
       </p:sp>
       <p:sp>
         <p:nvSpPr>
@@ -3135,6 +3289,13 @@
           </p:nvPr>
         </p:nvSpPr>
         <p:spPr/>
+        <p:txBody>
+          <a:bodyPr/>
+          <a:lstStyle/>
+          <a:p>
+            <a:endParaRPr lang="it-IT"/>
+          </a:p>
+        </p:txBody>
       </p:sp>
     </p:spTree>
   </p:cSld>
@@ -3177,6 +3338,13 @@
             <a:ext cx="5486400" cy="3086100"/>
           </a:xfrm>
         </p:spPr>
+        <p:txBody>
+          <a:bodyPr/>
+          <a:lstStyle/>
+          <a:p>
+            <a:endParaRPr lang="it-IT"/>
+          </a:p>
+        </p:txBody>
       </p:sp>
       <p:sp>
         <p:nvSpPr>
@@ -3328,6 +3496,13 @@
           </p:nvPr>
         </p:nvSpPr>
         <p:spPr/>
+        <p:txBody>
+          <a:bodyPr/>
+          <a:lstStyle/>
+          <a:p>
+            <a:endParaRPr lang="it-IT"/>
+          </a:p>
+        </p:txBody>
       </p:sp>
     </p:spTree>
   </p:cSld>
@@ -3370,6 +3545,13 @@
             <a:ext cx="5486400" cy="3086100"/>
           </a:xfrm>
         </p:spPr>
+        <p:txBody>
+          <a:bodyPr/>
+          <a:lstStyle/>
+          <a:p>
+            <a:endParaRPr lang="it-IT"/>
+          </a:p>
+        </p:txBody>
       </p:sp>
       <p:sp>
         <p:nvSpPr>
@@ -3557,6 +3739,13 @@
           </p:nvPr>
         </p:nvSpPr>
         <p:spPr/>
+        <p:txBody>
+          <a:bodyPr/>
+          <a:lstStyle/>
+          <a:p>
+            <a:endParaRPr lang="it-IT"/>
+          </a:p>
+        </p:txBody>
       </p:sp>
     </p:spTree>
   </p:cSld>
@@ -3599,6 +3788,13 @@
             <a:ext cx="5486400" cy="3086100"/>
           </a:xfrm>
         </p:spPr>
+        <p:txBody>
+          <a:bodyPr/>
+          <a:lstStyle/>
+          <a:p>
+            <a:endParaRPr lang="it-IT"/>
+          </a:p>
+        </p:txBody>
       </p:sp>
       <p:sp>
         <p:nvSpPr>
@@ -4030,6 +4226,13 @@
           </p:nvPr>
         </p:nvSpPr>
         <p:spPr/>
+        <p:txBody>
+          <a:bodyPr/>
+          <a:lstStyle/>
+          <a:p>
+            <a:endParaRPr lang="it-IT"/>
+          </a:p>
+        </p:txBody>
       </p:sp>
     </p:spTree>
   </p:cSld>
@@ -4084,6 +4287,13 @@
             <a:ext cx="5486400" cy="3086100"/>
           </a:xfrm>
         </p:spPr>
+        <p:txBody>
+          <a:bodyPr/>
+          <a:lstStyle/>
+          <a:p>
+            <a:endParaRPr lang="it-IT"/>
+          </a:p>
+        </p:txBody>
       </p:sp>
       <p:sp>
         <p:nvSpPr>
@@ -4527,6 +4737,13 @@
           </p:nvPr>
         </p:nvSpPr>
         <p:spPr/>
+        <p:txBody>
+          <a:bodyPr/>
+          <a:lstStyle/>
+          <a:p>
+            <a:endParaRPr lang="it-IT"/>
+          </a:p>
+        </p:txBody>
       </p:sp>
     </p:spTree>
     <p:extLst>
@@ -4574,6 +4791,13 @@
             <a:ext cx="5486400" cy="3086100"/>
           </a:xfrm>
         </p:spPr>
+        <p:txBody>
+          <a:bodyPr/>
+          <a:lstStyle/>
+          <a:p>
+            <a:endParaRPr lang="it-IT"/>
+          </a:p>
+        </p:txBody>
       </p:sp>
       <p:sp>
         <p:nvSpPr>
@@ -5150,6 +5374,13 @@
           </p:nvPr>
         </p:nvSpPr>
         <p:spPr/>
+        <p:txBody>
+          <a:bodyPr/>
+          <a:lstStyle/>
+          <a:p>
+            <a:endParaRPr lang="it-IT"/>
+          </a:p>
+        </p:txBody>
       </p:sp>
     </p:spTree>
   </p:cSld>
@@ -5204,6 +5435,13 @@
             <a:ext cx="5486400" cy="3086100"/>
           </a:xfrm>
         </p:spPr>
+        <p:txBody>
+          <a:bodyPr/>
+          <a:lstStyle/>
+          <a:p>
+            <a:endParaRPr lang="it-IT"/>
+          </a:p>
+        </p:txBody>
       </p:sp>
       <p:sp>
         <p:nvSpPr>
@@ -5792,6 +6030,13 @@
           </p:nvPr>
         </p:nvSpPr>
         <p:spPr/>
+        <p:txBody>
+          <a:bodyPr/>
+          <a:lstStyle/>
+          <a:p>
+            <a:endParaRPr lang="it-IT"/>
+          </a:p>
+        </p:txBody>
       </p:sp>
     </p:spTree>
     <p:extLst>
@@ -5851,6 +6096,13 @@
             <a:ext cx="5486400" cy="3086100"/>
           </a:xfrm>
         </p:spPr>
+        <p:txBody>
+          <a:bodyPr/>
+          <a:lstStyle/>
+          <a:p>
+            <a:endParaRPr lang="it-IT"/>
+          </a:p>
+        </p:txBody>
       </p:sp>
       <p:sp>
         <p:nvSpPr>
@@ -6439,6 +6691,13 @@
           </p:nvPr>
         </p:nvSpPr>
         <p:spPr/>
+        <p:txBody>
+          <a:bodyPr/>
+          <a:lstStyle/>
+          <a:p>
+            <a:endParaRPr lang="it-IT"/>
+          </a:p>
+        </p:txBody>
       </p:sp>
     </p:spTree>
     <p:extLst>
@@ -6498,6 +6757,13 @@
             <a:ext cx="5486400" cy="3086100"/>
           </a:xfrm>
         </p:spPr>
+        <p:txBody>
+          <a:bodyPr/>
+          <a:lstStyle/>
+          <a:p>
+            <a:endParaRPr lang="it-IT"/>
+          </a:p>
+        </p:txBody>
       </p:sp>
       <p:sp>
         <p:nvSpPr>
@@ -7086,6 +7352,13 @@
           </p:nvPr>
         </p:nvSpPr>
         <p:spPr/>
+        <p:txBody>
+          <a:bodyPr/>
+          <a:lstStyle/>
+          <a:p>
+            <a:endParaRPr lang="it-IT"/>
+          </a:p>
+        </p:txBody>
       </p:sp>
     </p:spTree>
     <p:extLst>
@@ -7145,6 +7418,13 @@
             <a:ext cx="5486400" cy="3086100"/>
           </a:xfrm>
         </p:spPr>
+        <p:txBody>
+          <a:bodyPr/>
+          <a:lstStyle/>
+          <a:p>
+            <a:endParaRPr lang="it-IT"/>
+          </a:p>
+        </p:txBody>
       </p:sp>
       <p:sp>
         <p:nvSpPr>
@@ -7733,6 +8013,13 @@
           </p:nvPr>
         </p:nvSpPr>
         <p:spPr/>
+        <p:txBody>
+          <a:bodyPr/>
+          <a:lstStyle/>
+          <a:p>
+            <a:endParaRPr lang="it-IT"/>
+          </a:p>
+        </p:txBody>
       </p:sp>
     </p:spTree>
     <p:extLst>
@@ -11311,7 +11598,7 @@
         <p:spPr>
           <a:xfrm>
             <a:off x="1981200" y="164813"/>
-            <a:ext cx="5900974" cy="584775"/>
+            <a:ext cx="8268610" cy="584775"/>
           </a:xfrm>
           <a:prstGeom prst="rect">
             <a:avLst/>
@@ -11332,9 +11619,32 @@
               </a:defRPr>
             </a:pPr>
             <a:r>
-              <a:rPr sz="3200"/>
-              <a:t>PCA: Interpretazione Componenti</a:t>
-            </a:r>
+              <a:rPr sz="3200" dirty="0">
+                <a:latin typeface="Formula1 Display-Bold" panose="02000000000000000000" pitchFamily="2" charset="0"/>
+              </a:rPr>
+              <a:t>PCA: </a:t>
+            </a:r>
+            <a:r>
+              <a:rPr sz="3200" dirty="0" err="1">
+                <a:latin typeface="Formula1 Display-Bold" panose="02000000000000000000" pitchFamily="2" charset="0"/>
+              </a:rPr>
+              <a:t>Interpretazione</a:t>
+            </a:r>
+            <a:r>
+              <a:rPr sz="3200" dirty="0">
+                <a:latin typeface="Formula1 Display-Bold" panose="02000000000000000000" pitchFamily="2" charset="0"/>
+              </a:rPr>
+              <a:t> </a:t>
+            </a:r>
+            <a:r>
+              <a:rPr sz="3200" dirty="0" err="1">
+                <a:latin typeface="Formula1 Display-Bold" panose="02000000000000000000" pitchFamily="2" charset="0"/>
+              </a:rPr>
+              <a:t>Componenti</a:t>
+            </a:r>
+            <a:endParaRPr sz="3200" dirty="0">
+              <a:latin typeface="Formula1 Display-Bold" panose="02000000000000000000" pitchFamily="2" charset="0"/>
+            </a:endParaRPr>
           </a:p>
         </p:txBody>
       </p:sp>
@@ -11717,7 +12027,7 @@
         <p:spPr>
           <a:xfrm>
             <a:off x="1981201" y="164813"/>
-            <a:ext cx="5721053" cy="584775"/>
+            <a:ext cx="8012130" cy="584775"/>
           </a:xfrm>
           <a:prstGeom prst="rect">
             <a:avLst/>
@@ -11738,14 +12048,20 @@
               </a:defRPr>
             </a:pPr>
             <a:r>
-              <a:rPr sz="3200" dirty="0"/>
+              <a:rPr sz="3200" dirty="0">
+                <a:latin typeface="Formula1 Display-Bold" panose="02000000000000000000" pitchFamily="2" charset="0"/>
+              </a:rPr>
               <a:t>Clustering: 13 Cluster </a:t>
             </a:r>
             <a:r>
-              <a:rPr sz="3200" dirty="0" err="1"/>
+              <a:rPr sz="3200" dirty="0" err="1">
+                <a:latin typeface="Formula1 Display-Bold" panose="02000000000000000000" pitchFamily="2" charset="0"/>
+              </a:rPr>
               <a:t>Identificati</a:t>
             </a:r>
-            <a:endParaRPr sz="3200" dirty="0"/>
+            <a:endParaRPr sz="3200" dirty="0">
+              <a:latin typeface="Formula1 Display-Bold" panose="02000000000000000000" pitchFamily="2" charset="0"/>
+            </a:endParaRPr>
           </a:p>
         </p:txBody>
       </p:sp>
@@ -11956,7 +12272,7 @@
         <p:spPr>
           <a:xfrm>
             <a:off x="1981200" y="164813"/>
-            <a:ext cx="5219314" cy="584775"/>
+            <a:ext cx="7306808" cy="584775"/>
           </a:xfrm>
           <a:prstGeom prst="rect">
             <a:avLst/>
@@ -11977,8 +12293,22 @@
               </a:defRPr>
             </a:pPr>
             <a:r>
-              <a:rPr sz="3200"/>
-              <a:t>Clustering: Visualizzazione 3D</a:t>
+              <a:rPr sz="3200" dirty="0">
+                <a:latin typeface="Formula1 Display-Bold" panose="02000000000000000000" pitchFamily="2" charset="0"/>
+              </a:rPr>
+              <a:t>Clustering: </a:t>
+            </a:r>
+            <a:r>
+              <a:rPr sz="3200" dirty="0" err="1">
+                <a:latin typeface="Formula1 Display-Bold" panose="02000000000000000000" pitchFamily="2" charset="0"/>
+              </a:rPr>
+              <a:t>Visualizzazione</a:t>
+            </a:r>
+            <a:r>
+              <a:rPr sz="3200" dirty="0">
+                <a:latin typeface="Formula1 Display-Bold" panose="02000000000000000000" pitchFamily="2" charset="0"/>
+              </a:rPr>
+              <a:t> 3D</a:t>
             </a:r>
           </a:p>
         </p:txBody>
@@ -12170,8 +12500,8 @@
         </p:nvSpPr>
         <p:spPr>
           <a:xfrm>
-            <a:off x="1981200" y="164813"/>
-            <a:ext cx="6616876" cy="584775"/>
+            <a:off x="1546517" y="174398"/>
+            <a:ext cx="9098966" cy="584775"/>
           </a:xfrm>
           <a:prstGeom prst="rect">
             <a:avLst/>
@@ -12192,7 +12522,9 @@
               </a:defRPr>
             </a:pPr>
             <a:r>
-              <a:rPr sz="3200"/>
+              <a:rPr sz="3200" dirty="0">
+                <a:latin typeface="Formula1 Display-Bold" panose="02000000000000000000" pitchFamily="2" charset="0"/>
+              </a:rPr>
               <a:t>Distribuzione Cluster per Gran Premio</a:t>
             </a:r>
           </a:p>
@@ -12369,8 +12701,8 @@
         </p:nvSpPr>
         <p:spPr>
           <a:xfrm>
-            <a:off x="1981200" y="164813"/>
-            <a:ext cx="6616876" cy="584775"/>
+            <a:off x="1444916" y="164813"/>
+            <a:ext cx="9098966" cy="584775"/>
           </a:xfrm>
           <a:prstGeom prst="rect">
             <a:avLst/>
@@ -12391,7 +12723,9 @@
               </a:defRPr>
             </a:pPr>
             <a:r>
-              <a:rPr sz="3200"/>
+              <a:rPr sz="3200" dirty="0">
+                <a:latin typeface="Formula1 Display-Bold" panose="02000000000000000000" pitchFamily="2" charset="0"/>
+              </a:rPr>
               <a:t>Distribuzione Cluster per Gran Premio</a:t>
             </a:r>
           </a:p>
@@ -15524,8 +15858,8 @@
         </p:nvSpPr>
         <p:spPr>
           <a:xfrm>
-            <a:off x="1981201" y="225475"/>
-            <a:ext cx="6702091" cy="646331"/>
+            <a:off x="1519358" y="245585"/>
+            <a:ext cx="9294532" cy="646331"/>
           </a:xfrm>
           <a:prstGeom prst="rect">
             <a:avLst/>
@@ -15546,7 +15880,9 @@
               </a:defRPr>
             </a:pPr>
             <a:r>
-              <a:rPr sz="3600"/>
+              <a:rPr sz="3600" dirty="0">
+                <a:latin typeface="Formula1 Display-Bold" panose="02000000000000000000" pitchFamily="2" charset="0"/>
+              </a:rPr>
               <a:t>Mixture of Experts Models (MEM)</a:t>
             </a:r>
           </a:p>
@@ -15610,8 +15946,8 @@
         </p:nvSpPr>
         <p:spPr>
           <a:xfrm>
-            <a:off x="2821253" y="2442117"/>
-            <a:ext cx="2062231" cy="646331"/>
+            <a:off x="2182195" y="2462943"/>
+            <a:ext cx="2874505" cy="646331"/>
           </a:xfrm>
           <a:prstGeom prst="rect">
             <a:avLst/>
@@ -15629,6 +15965,7 @@
                 <a:solidFill>
                   <a:schemeClr val="bg1"/>
                 </a:solidFill>
+                <a:latin typeface="Formula1 Display-Regular" panose="02000000000000000000" pitchFamily="2" charset="0"/>
               </a:rPr>
               <a:t>Ridurre effetto pista</a:t>
             </a:r>
@@ -15715,6 +16052,7 @@
                 <a:solidFill>
                   <a:schemeClr val="bg1"/>
                 </a:solidFill>
+                <a:latin typeface="Formula1 Display-Regular" panose="02000000000000000000" pitchFamily="2" charset="0"/>
               </a:rPr>
               <a:t>IN_OUT, C_SHAPE, TRANS ~ TRACK</a:t>
             </a:r>
@@ -15827,7 +16165,7 @@
         <p:spPr>
           <a:xfrm>
             <a:off x="5475249" y="3484099"/>
-            <a:ext cx="1550019" cy="369332"/>
+            <a:ext cx="1550019" cy="646331"/>
           </a:xfrm>
           <a:prstGeom prst="rect">
             <a:avLst/>
@@ -15845,10 +16183,13 @@
                 <a:solidFill>
                   <a:schemeClr val="bg1"/>
                 </a:solidFill>
+                <a:latin typeface="Formula1 Display-Regular" panose="02000000000000000000" pitchFamily="2" charset="0"/>
               </a:rPr>
               <a:t>Stili di guida</a:t>
             </a:r>
-            <a:endParaRPr lang="it-IT" dirty="0"/>
+            <a:endParaRPr lang="it-IT" dirty="0">
+              <a:latin typeface="Formula1 Display-Regular" panose="02000000000000000000" pitchFamily="2" charset="0"/>
+            </a:endParaRPr>
           </a:p>
         </p:txBody>
       </p:sp>
@@ -15866,8 +16207,8 @@
         </p:nvSpPr>
         <p:spPr>
           <a:xfrm>
-            <a:off x="5475249" y="3971620"/>
-            <a:ext cx="1382751" cy="369332"/>
+            <a:off x="5404624" y="4097665"/>
+            <a:ext cx="1855558" cy="369332"/>
           </a:xfrm>
           <a:prstGeom prst="rect">
             <a:avLst/>
@@ -15885,6 +16226,7 @@
                 <a:solidFill>
                   <a:srgbClr val="FF0000"/>
                 </a:solidFill>
+                <a:latin typeface="Formula1 Display-Regular" panose="02000000000000000000" pitchFamily="2" charset="0"/>
               </a:rPr>
               <a:t> 1. Reattivo</a:t>
             </a:r>
@@ -15905,7 +16247,7 @@
         </p:nvSpPr>
         <p:spPr>
           <a:xfrm>
-            <a:off x="5475249" y="4337993"/>
+            <a:off x="5404624" y="4476482"/>
             <a:ext cx="2330605" cy="369332"/>
           </a:xfrm>
           <a:prstGeom prst="rect">
@@ -15924,6 +16266,7 @@
                 <a:solidFill>
                   <a:srgbClr val="FF0000"/>
                 </a:solidFill>
+                <a:latin typeface="Formula1 Display-Regular" panose="02000000000000000000" pitchFamily="2" charset="0"/>
               </a:rPr>
               <a:t> 2. 'V' estremo</a:t>
             </a:r>
@@ -15944,8 +16287,8 @@
         </p:nvSpPr>
         <p:spPr>
           <a:xfrm>
-            <a:off x="5475249" y="4710125"/>
-            <a:ext cx="1973772" cy="369332"/>
+            <a:off x="5404623" y="4834906"/>
+            <a:ext cx="2569795" cy="369332"/>
           </a:xfrm>
           <a:prstGeom prst="rect">
             <a:avLst/>
@@ -15963,6 +16306,7 @@
                 <a:solidFill>
                   <a:srgbClr val="FF0000"/>
                 </a:solidFill>
+                <a:latin typeface="Formula1 Display-Regular" panose="02000000000000000000" pitchFamily="2" charset="0"/>
               </a:rPr>
               <a:t> 3. Percorrenza</a:t>
             </a:r>
@@ -15983,7 +16327,7 @@
         </p:nvSpPr>
         <p:spPr>
           <a:xfrm>
-            <a:off x="5475249" y="5073698"/>
+            <a:off x="5380457" y="5179938"/>
             <a:ext cx="1382751" cy="369332"/>
           </a:xfrm>
           <a:prstGeom prst="rect">
@@ -16002,6 +16346,7 @@
                 <a:solidFill>
                   <a:srgbClr val="FF0000"/>
                 </a:solidFill>
+                <a:latin typeface="Formula1 Display-Regular" panose="02000000000000000000" pitchFamily="2" charset="0"/>
               </a:rPr>
               <a:t> 4. Fluido</a:t>
             </a:r>
@@ -16103,8 +16448,8 @@
         </p:nvSpPr>
         <p:spPr>
           <a:xfrm>
-            <a:off x="1981201" y="225475"/>
-            <a:ext cx="6702091" cy="646331"/>
+            <a:off x="1577164" y="225475"/>
+            <a:ext cx="9294532" cy="646331"/>
           </a:xfrm>
           <a:prstGeom prst="rect">
             <a:avLst/>
@@ -16125,7 +16470,9 @@
               </a:defRPr>
             </a:pPr>
             <a:r>
-              <a:rPr sz="3600"/>
+              <a:rPr sz="3600" dirty="0">
+                <a:latin typeface="Formula1 Display-Bold" panose="02000000000000000000" pitchFamily="2" charset="0"/>
+              </a:rPr>
               <a:t>Mixture of Experts Models (MEM)</a:t>
             </a:r>
           </a:p>
@@ -17567,7 +17914,7 @@
         <p:spPr>
           <a:xfrm>
             <a:off x="1981201" y="164813"/>
-            <a:ext cx="5199437" cy="584775"/>
+            <a:ext cx="7167347" cy="584775"/>
           </a:xfrm>
           <a:prstGeom prst="rect">
             <a:avLst/>
@@ -17588,15 +17935,21 @@
               </a:defRPr>
             </a:pPr>
             <a:r>
-              <a:rPr sz="3200" dirty="0"/>
+              <a:rPr sz="3200" dirty="0">
+                <a:latin typeface="Formula1 Display-Bold" panose="02000000000000000000" pitchFamily="2" charset="0"/>
+              </a:rPr>
               <a:t>MEM: </a:t>
             </a:r>
             <a:r>
-              <a:rPr sz="3200" dirty="0" err="1"/>
+              <a:rPr sz="3200" dirty="0" err="1">
+                <a:latin typeface="Formula1 Display-Bold" panose="02000000000000000000" pitchFamily="2" charset="0"/>
+              </a:rPr>
               <a:t>Regressioni</a:t>
             </a:r>
             <a:r>
-              <a:rPr sz="3200" dirty="0"/>
+              <a:rPr sz="3200" dirty="0">
+                <a:latin typeface="Formula1 Display-Bold" panose="02000000000000000000" pitchFamily="2" charset="0"/>
+              </a:rPr>
               <a:t> per Cluster</a:t>
             </a:r>
           </a:p>
@@ -17841,8 +18194,8 @@
         </p:nvSpPr>
         <p:spPr>
           <a:xfrm>
-            <a:off x="1981201" y="164813"/>
-            <a:ext cx="4435445" cy="584775"/>
+            <a:off x="2695341" y="174398"/>
+            <a:ext cx="6122189" cy="584775"/>
           </a:xfrm>
           <a:prstGeom prst="rect">
             <a:avLst/>
@@ -17863,8 +18216,22 @@
               </a:defRPr>
             </a:pPr>
             <a:r>
-              <a:rPr sz="3200"/>
-              <a:t>MEM: Visualizzazione 3D</a:t>
+              <a:rPr sz="3200" dirty="0">
+                <a:latin typeface="Formula1 Display-Bold" panose="02000000000000000000" pitchFamily="2" charset="0"/>
+              </a:rPr>
+              <a:t>MEM: </a:t>
+            </a:r>
+            <a:r>
+              <a:rPr sz="3200" dirty="0" err="1">
+                <a:latin typeface="Formula1 Display-Bold" panose="02000000000000000000" pitchFamily="2" charset="0"/>
+              </a:rPr>
+              <a:t>Visualizzazione</a:t>
+            </a:r>
+            <a:r>
+              <a:rPr sz="3200" dirty="0">
+                <a:latin typeface="Formula1 Display-Bold" panose="02000000000000000000" pitchFamily="2" charset="0"/>
+              </a:rPr>
+              <a:t> 3D</a:t>
             </a:r>
           </a:p>
         </p:txBody>
@@ -25870,7 +26237,7 @@
         <p:spPr>
           <a:xfrm>
             <a:off x="1981201" y="225475"/>
-            <a:ext cx="4783617" cy="646331"/>
+            <a:ext cx="6580648" cy="646331"/>
           </a:xfrm>
           <a:prstGeom prst="rect">
             <a:avLst/>
@@ -25891,9 +26258,26 @@
               </a:defRPr>
             </a:pPr>
             <a:r>
-              <a:rPr sz="3600"/>
-              <a:t>Stili di Guida Identificati</a:t>
-            </a:r>
+              <a:rPr sz="3600" dirty="0" err="1">
+                <a:latin typeface="Formula1 Display-Bold" panose="02000000000000000000" pitchFamily="2" charset="0"/>
+              </a:rPr>
+              <a:t>Stili</a:t>
+            </a:r>
+            <a:r>
+              <a:rPr sz="3600" dirty="0">
+                <a:latin typeface="Formula1 Display-Bold" panose="02000000000000000000" pitchFamily="2" charset="0"/>
+              </a:rPr>
+              <a:t> di Guida </a:t>
+            </a:r>
+            <a:r>
+              <a:rPr sz="3600" dirty="0" err="1">
+                <a:latin typeface="Formula1 Display-Bold" panose="02000000000000000000" pitchFamily="2" charset="0"/>
+              </a:rPr>
+              <a:t>Identificati</a:t>
+            </a:r>
+            <a:endParaRPr sz="3600" dirty="0">
+              <a:latin typeface="Formula1 Display-Bold" panose="02000000000000000000" pitchFamily="2" charset="0"/>
+            </a:endParaRPr>
           </a:p>
         </p:txBody>
       </p:sp>
@@ -25936,6 +26320,7 @@
                 <a:solidFill>
                   <a:schemeClr val="bg1"/>
                 </a:solidFill>
+                <a:latin typeface="Formula1 Display-Regular" panose="02000000000000000000" pitchFamily="2" charset="0"/>
               </a:rPr>
               <a:t>Esempi</a:t>
             </a:r>
@@ -25944,6 +26329,7 @@
                 <a:solidFill>
                   <a:schemeClr val="bg1"/>
                 </a:solidFill>
+                <a:latin typeface="Formula1 Display-Regular" panose="02000000000000000000" pitchFamily="2" charset="0"/>
               </a:rPr>
               <a:t> di </a:t>
             </a:r>
@@ -25952,6 +26338,7 @@
                 <a:solidFill>
                   <a:schemeClr val="bg1"/>
                 </a:solidFill>
+                <a:latin typeface="Formula1 Display-Regular" panose="02000000000000000000" pitchFamily="2" charset="0"/>
               </a:rPr>
               <a:t>piloti</a:t>
             </a:r>
@@ -25960,6 +26347,7 @@
                 <a:solidFill>
                   <a:schemeClr val="bg1"/>
                 </a:solidFill>
+                <a:latin typeface="Formula1 Display-Regular" panose="02000000000000000000" pitchFamily="2" charset="0"/>
               </a:rPr>
               <a:t> per cluster</a:t>
             </a:r>
@@ -25968,6 +26356,7 @@
                 <a:solidFill>
                   <a:schemeClr val="bg1"/>
                 </a:solidFill>
+                <a:latin typeface="Formula1 Display-Regular" panose="02000000000000000000" pitchFamily="2" charset="0"/>
               </a:rPr>
               <a:t>:</a:t>
             </a:r>
@@ -25990,6 +26379,7 @@
                 <a:solidFill>
                   <a:schemeClr val="bg1"/>
                 </a:solidFill>
+                <a:latin typeface="Formula1 Display-Regular" panose="02000000000000000000" pitchFamily="2" charset="0"/>
               </a:rPr>
               <a:t>Cluster 2: Verstappen, Leclerc (guida a ‘V’)</a:t>
             </a:r>
@@ -26012,6 +26402,7 @@
                 <a:solidFill>
                   <a:schemeClr val="bg1"/>
                 </a:solidFill>
+                <a:latin typeface="Formula1 Display-Regular" panose="02000000000000000000" pitchFamily="2" charset="0"/>
               </a:rPr>
               <a:t>Cluster 4: Norris, Russell (guida fluida)</a:t>
             </a:r>
@@ -26031,6 +26422,7 @@
               <a:solidFill>
                 <a:schemeClr val="bg1"/>
               </a:solidFill>
+              <a:latin typeface="Formula1 Display-Regular" panose="02000000000000000000" pitchFamily="2" charset="0"/>
             </a:endParaRPr>
           </a:p>
           <a:p>
@@ -26051,6 +26443,7 @@
                 <a:solidFill>
                   <a:schemeClr val="bg1"/>
                 </a:solidFill>
+                <a:latin typeface="Formula1 Display-Regular" panose="02000000000000000000" pitchFamily="2" charset="0"/>
               </a:rPr>
               <a:t>Risultati</a:t>
             </a:r>
@@ -26059,6 +26452,7 @@
                 <a:solidFill>
                   <a:schemeClr val="bg1"/>
                 </a:solidFill>
+                <a:latin typeface="Formula1 Display-Regular" panose="02000000000000000000" pitchFamily="2" charset="0"/>
               </a:rPr>
               <a:t> </a:t>
             </a:r>
@@ -26067,6 +26461,7 @@
                 <a:solidFill>
                   <a:schemeClr val="bg1"/>
                 </a:solidFill>
+                <a:latin typeface="Formula1 Display-Regular" panose="02000000000000000000" pitchFamily="2" charset="0"/>
               </a:rPr>
               <a:t>coerenti</a:t>
             </a:r>
@@ -26075,6 +26470,7 @@
                 <a:solidFill>
                   <a:schemeClr val="bg1"/>
                 </a:solidFill>
+                <a:latin typeface="Formula1 Display-Regular" panose="02000000000000000000" pitchFamily="2" charset="0"/>
               </a:rPr>
               <a:t> con </a:t>
             </a:r>
@@ -26083,6 +26479,7 @@
                 <a:solidFill>
                   <a:schemeClr val="bg1"/>
                 </a:solidFill>
+                <a:latin typeface="Formula1 Display-Regular" panose="02000000000000000000" pitchFamily="2" charset="0"/>
               </a:rPr>
               <a:t>osservazioni</a:t>
             </a:r>
@@ -26091,6 +26488,7 @@
                 <a:solidFill>
                   <a:schemeClr val="bg1"/>
                 </a:solidFill>
+                <a:latin typeface="Formula1 Display-Regular" panose="02000000000000000000" pitchFamily="2" charset="0"/>
               </a:rPr>
               <a:t> </a:t>
             </a:r>
@@ -26099,6 +26497,7 @@
                 <a:solidFill>
                   <a:schemeClr val="bg1"/>
                 </a:solidFill>
+                <a:latin typeface="Formula1 Display-Regular" panose="02000000000000000000" pitchFamily="2" charset="0"/>
               </a:rPr>
               <a:t>reali</a:t>
             </a:r>
@@ -26107,6 +26506,7 @@
                 <a:solidFill>
                   <a:schemeClr val="bg1"/>
                 </a:solidFill>
+                <a:latin typeface="Formula1 Display-Regular" panose="02000000000000000000" pitchFamily="2" charset="0"/>
               </a:rPr>
               <a:t> F1</a:t>
             </a:r>
@@ -26126,6 +26526,7 @@
               <a:solidFill>
                 <a:schemeClr val="bg1"/>
               </a:solidFill>
+              <a:latin typeface="Formula1 Display-Regular" panose="02000000000000000000" pitchFamily="2" charset="0"/>
             </a:endParaRPr>
           </a:p>
           <a:p>
@@ -26146,6 +26547,7 @@
                 <a:solidFill>
                   <a:schemeClr val="bg1"/>
                 </a:solidFill>
+                <a:latin typeface="Formula1 Display-Regular" panose="02000000000000000000" pitchFamily="2" charset="0"/>
               </a:rPr>
               <a:t>Limitazione</a:t>
             </a:r>
@@ -26154,6 +26556,7 @@
                 <a:solidFill>
                   <a:schemeClr val="bg1"/>
                 </a:solidFill>
+                <a:latin typeface="Formula1 Display-Regular" panose="02000000000000000000" pitchFamily="2" charset="0"/>
               </a:rPr>
               <a:t>: </a:t>
             </a:r>
@@ -26162,6 +26565,7 @@
                 <a:solidFill>
                   <a:schemeClr val="bg1"/>
                 </a:solidFill>
+                <a:latin typeface="Formula1 Display-Regular" panose="02000000000000000000" pitchFamily="2" charset="0"/>
               </a:rPr>
               <a:t>dipendenza</a:t>
             </a:r>
@@ -26170,6 +26574,7 @@
                 <a:solidFill>
                   <a:schemeClr val="bg1"/>
                 </a:solidFill>
+                <a:latin typeface="Formula1 Display-Regular" panose="02000000000000000000" pitchFamily="2" charset="0"/>
               </a:rPr>
               <a:t> da </a:t>
             </a:r>
@@ -26178,6 +26583,7 @@
                 <a:solidFill>
                   <a:schemeClr val="bg1"/>
                 </a:solidFill>
+                <a:latin typeface="Formula1 Display-Regular" panose="02000000000000000000" pitchFamily="2" charset="0"/>
               </a:rPr>
               <a:t>geometria</a:t>
             </a:r>
@@ -26186,6 +26592,7 @@
                 <a:solidFill>
                   <a:schemeClr val="bg1"/>
                 </a:solidFill>
+                <a:latin typeface="Formula1 Display-Regular" panose="02000000000000000000" pitchFamily="2" charset="0"/>
               </a:rPr>
               <a:t> </a:t>
             </a:r>
@@ -26194,6 +26601,7 @@
                 <a:solidFill>
                   <a:schemeClr val="bg1"/>
                 </a:solidFill>
+                <a:latin typeface="Formula1 Display-Regular" panose="02000000000000000000" pitchFamily="2" charset="0"/>
               </a:rPr>
               <a:t>tracciato</a:t>
             </a:r>
@@ -26201,6 +26609,7 @@
               <a:solidFill>
                 <a:schemeClr val="bg1"/>
               </a:solidFill>
+              <a:latin typeface="Formula1 Display-Regular" panose="02000000000000000000" pitchFamily="2" charset="0"/>
             </a:endParaRPr>
           </a:p>
         </p:txBody>
@@ -26327,7 +26736,7 @@
         <p:spPr>
           <a:xfrm>
             <a:off x="1981201" y="225475"/>
-            <a:ext cx="5599225" cy="646331"/>
+            <a:ext cx="7710765" cy="646331"/>
           </a:xfrm>
           <a:prstGeom prst="rect">
             <a:avLst/>
@@ -26348,9 +26757,38 @@
               </a:defRPr>
             </a:pPr>
             <a:r>
-              <a:rPr sz="3600"/>
-              <a:t>Conclusioni e Sviluppi Futuri</a:t>
-            </a:r>
+              <a:rPr sz="3600" dirty="0" err="1">
+                <a:latin typeface="Formula1 Display-Bold" panose="02000000000000000000" pitchFamily="2" charset="0"/>
+              </a:rPr>
+              <a:t>Conclusioni</a:t>
+            </a:r>
+            <a:r>
+              <a:rPr sz="3600" dirty="0">
+                <a:latin typeface="Formula1 Display-Bold" panose="02000000000000000000" pitchFamily="2" charset="0"/>
+              </a:rPr>
+              <a:t> e </a:t>
+            </a:r>
+            <a:r>
+              <a:rPr sz="3600" dirty="0" err="1">
+                <a:latin typeface="Formula1 Display-Bold" panose="02000000000000000000" pitchFamily="2" charset="0"/>
+              </a:rPr>
+              <a:t>Sviluppi</a:t>
+            </a:r>
+            <a:r>
+              <a:rPr sz="3600" dirty="0">
+                <a:latin typeface="Formula1 Display-Bold" panose="02000000000000000000" pitchFamily="2" charset="0"/>
+              </a:rPr>
+              <a:t> </a:t>
+            </a:r>
+            <a:r>
+              <a:rPr sz="3600" dirty="0" err="1">
+                <a:latin typeface="Formula1 Display-Bold" panose="02000000000000000000" pitchFamily="2" charset="0"/>
+              </a:rPr>
+              <a:t>Futuri</a:t>
+            </a:r>
+            <a:endParaRPr sz="3600" dirty="0">
+              <a:latin typeface="Formula1 Display-Bold" panose="02000000000000000000" pitchFamily="2" charset="0"/>
+            </a:endParaRPr>
           </a:p>
         </p:txBody>
       </p:sp>
@@ -26393,6 +26831,7 @@
                 <a:solidFill>
                   <a:schemeClr val="bg1"/>
                 </a:solidFill>
+                <a:latin typeface="Formula1 Display-Regular" panose="02000000000000000000" pitchFamily="2" charset="0"/>
               </a:rPr>
               <a:t>Pattern </a:t>
             </a:r>
@@ -26401,6 +26840,7 @@
                 <a:solidFill>
                   <a:schemeClr val="bg1"/>
                 </a:solidFill>
+                <a:latin typeface="Formula1 Display-Regular" panose="02000000000000000000" pitchFamily="2" charset="0"/>
               </a:rPr>
               <a:t>identificati</a:t>
             </a:r>
@@ -26409,6 +26849,7 @@
                 <a:solidFill>
                   <a:schemeClr val="bg1"/>
                 </a:solidFill>
+                <a:latin typeface="Formula1 Display-Regular" panose="02000000000000000000" pitchFamily="2" charset="0"/>
               </a:rPr>
               <a:t> </a:t>
             </a:r>
@@ -26417,6 +26858,7 @@
                 <a:solidFill>
                   <a:schemeClr val="bg1"/>
                 </a:solidFill>
+                <a:latin typeface="Formula1 Display-Regular" panose="02000000000000000000" pitchFamily="2" charset="0"/>
               </a:rPr>
               <a:t>nei</a:t>
             </a:r>
@@ -26425,6 +26867,7 @@
                 <a:solidFill>
                   <a:schemeClr val="bg1"/>
                 </a:solidFill>
+                <a:latin typeface="Formula1 Display-Regular" panose="02000000000000000000" pitchFamily="2" charset="0"/>
               </a:rPr>
               <a:t> </a:t>
             </a:r>
@@ -26433,6 +26876,7 @@
                 <a:solidFill>
                   <a:schemeClr val="bg1"/>
                 </a:solidFill>
+                <a:latin typeface="Formula1 Display-Regular" panose="02000000000000000000" pitchFamily="2" charset="0"/>
               </a:rPr>
               <a:t>dati</a:t>
             </a:r>
@@ -26441,6 +26885,7 @@
                 <a:solidFill>
                   <a:schemeClr val="bg1"/>
                 </a:solidFill>
+                <a:latin typeface="Formula1 Display-Regular" panose="02000000000000000000" pitchFamily="2" charset="0"/>
               </a:rPr>
               <a:t> </a:t>
             </a:r>
@@ -26449,6 +26894,7 @@
                 <a:solidFill>
                   <a:schemeClr val="bg1"/>
                 </a:solidFill>
+                <a:latin typeface="Formula1 Display-Regular" panose="02000000000000000000" pitchFamily="2" charset="0"/>
               </a:rPr>
               <a:t>telemetrici</a:t>
             </a:r>
@@ -26457,6 +26903,7 @@
                 <a:solidFill>
                   <a:schemeClr val="bg1"/>
                 </a:solidFill>
+                <a:latin typeface="Formula1 Display-Regular" panose="02000000000000000000" pitchFamily="2" charset="0"/>
               </a:rPr>
               <a:t>;</a:t>
             </a:r>
@@ -26479,6 +26926,7 @@
                 <a:solidFill>
                   <a:schemeClr val="bg1"/>
                 </a:solidFill>
+                <a:latin typeface="Formula1 Display-Regular" panose="02000000000000000000" pitchFamily="2" charset="0"/>
               </a:rPr>
               <a:t>PCA </a:t>
             </a:r>
@@ -26487,6 +26935,7 @@
                 <a:solidFill>
                   <a:schemeClr val="bg1"/>
                 </a:solidFill>
+                <a:latin typeface="Formula1 Display-Regular" panose="02000000000000000000" pitchFamily="2" charset="0"/>
               </a:rPr>
               <a:t>efficace</a:t>
             </a:r>
@@ -26495,6 +26944,7 @@
                 <a:solidFill>
                   <a:schemeClr val="bg1"/>
                 </a:solidFill>
+                <a:latin typeface="Formula1 Display-Regular" panose="02000000000000000000" pitchFamily="2" charset="0"/>
               </a:rPr>
               <a:t> per </a:t>
             </a:r>
@@ -26503,6 +26953,7 @@
                 <a:solidFill>
                   <a:schemeClr val="bg1"/>
                 </a:solidFill>
+                <a:latin typeface="Formula1 Display-Regular" panose="02000000000000000000" pitchFamily="2" charset="0"/>
               </a:rPr>
               <a:t>riduzione</a:t>
             </a:r>
@@ -26511,6 +26962,7 @@
                 <a:solidFill>
                   <a:schemeClr val="bg1"/>
                 </a:solidFill>
+                <a:latin typeface="Formula1 Display-Regular" panose="02000000000000000000" pitchFamily="2" charset="0"/>
               </a:rPr>
               <a:t> </a:t>
             </a:r>
@@ -26519,6 +26971,7 @@
                 <a:solidFill>
                   <a:schemeClr val="bg1"/>
                 </a:solidFill>
+                <a:latin typeface="Formula1 Display-Regular" panose="02000000000000000000" pitchFamily="2" charset="0"/>
               </a:rPr>
               <a:t>dimensionalità</a:t>
             </a:r>
@@ -26527,6 +26980,7 @@
                 <a:solidFill>
                   <a:schemeClr val="bg1"/>
                 </a:solidFill>
+                <a:latin typeface="Formula1 Display-Regular" panose="02000000000000000000" pitchFamily="2" charset="0"/>
               </a:rPr>
               <a:t>:</a:t>
             </a:r>
@@ -26549,6 +27003,7 @@
                 <a:solidFill>
                   <a:schemeClr val="bg1"/>
                 </a:solidFill>
+                <a:latin typeface="Formula1 Display-Regular" panose="02000000000000000000" pitchFamily="2" charset="0"/>
               </a:rPr>
               <a:t>MEM utile per </a:t>
             </a:r>
@@ -26557,6 +27012,7 @@
                 <a:solidFill>
                   <a:schemeClr val="bg1"/>
                 </a:solidFill>
+                <a:latin typeface="Formula1 Display-Regular" panose="02000000000000000000" pitchFamily="2" charset="0"/>
               </a:rPr>
               <a:t>controllare</a:t>
             </a:r>
@@ -26565,6 +27021,7 @@
                 <a:solidFill>
                   <a:schemeClr val="bg1"/>
                 </a:solidFill>
+                <a:latin typeface="Formula1 Display-Regular" panose="02000000000000000000" pitchFamily="2" charset="0"/>
               </a:rPr>
               <a:t> </a:t>
             </a:r>
@@ -26573,6 +27030,7 @@
                 <a:solidFill>
                   <a:schemeClr val="bg1"/>
                 </a:solidFill>
+                <a:latin typeface="Formula1 Display-Regular" panose="02000000000000000000" pitchFamily="2" charset="0"/>
               </a:rPr>
               <a:t>effetto</a:t>
             </a:r>
@@ -26581,6 +27039,7 @@
                 <a:solidFill>
                   <a:schemeClr val="bg1"/>
                 </a:solidFill>
+                <a:latin typeface="Formula1 Display-Regular" panose="02000000000000000000" pitchFamily="2" charset="0"/>
               </a:rPr>
               <a:t> </a:t>
             </a:r>
@@ -26589,6 +27048,7 @@
                 <a:solidFill>
                   <a:schemeClr val="bg1"/>
                 </a:solidFill>
+                <a:latin typeface="Formula1 Display-Regular" panose="02000000000000000000" pitchFamily="2" charset="0"/>
               </a:rPr>
               <a:t>pista</a:t>
             </a:r>
@@ -26597,6 +27057,7 @@
                 <a:solidFill>
                   <a:schemeClr val="bg1"/>
                 </a:solidFill>
+                <a:latin typeface="Formula1 Display-Regular" panose="02000000000000000000" pitchFamily="2" charset="0"/>
               </a:rPr>
               <a:t>;</a:t>
             </a:r>
@@ -26604,6 +27065,7 @@
               <a:solidFill>
                 <a:schemeClr val="bg1"/>
               </a:solidFill>
+              <a:latin typeface="Formula1 Display-Regular" panose="02000000000000000000" pitchFamily="2" charset="0"/>
             </a:endParaRPr>
           </a:p>
           <a:p>
@@ -26621,6 +27083,7 @@
               <a:solidFill>
                 <a:schemeClr val="bg1"/>
               </a:solidFill>
+              <a:latin typeface="Formula1 Display-Regular" panose="02000000000000000000" pitchFamily="2" charset="0"/>
             </a:endParaRPr>
           </a:p>
           <a:p>
@@ -26641,6 +27104,7 @@
                 <a:solidFill>
                   <a:schemeClr val="bg1"/>
                 </a:solidFill>
+                <a:latin typeface="Formula1 Display-Regular" panose="02000000000000000000" pitchFamily="2" charset="0"/>
               </a:rPr>
               <a:t>Sviluppi</a:t>
             </a:r>
@@ -26649,6 +27113,7 @@
                 <a:solidFill>
                   <a:schemeClr val="bg1"/>
                 </a:solidFill>
+                <a:latin typeface="Formula1 Display-Regular" panose="02000000000000000000" pitchFamily="2" charset="0"/>
               </a:rPr>
               <a:t> </a:t>
             </a:r>
@@ -26657,6 +27122,7 @@
                 <a:solidFill>
                   <a:schemeClr val="bg1"/>
                 </a:solidFill>
+                <a:latin typeface="Formula1 Display-Regular" panose="02000000000000000000" pitchFamily="2" charset="0"/>
               </a:rPr>
               <a:t>futuri</a:t>
             </a:r>
@@ -26665,6 +27131,7 @@
                 <a:solidFill>
                   <a:schemeClr val="bg1"/>
                 </a:solidFill>
+                <a:latin typeface="Formula1 Display-Regular" panose="02000000000000000000" pitchFamily="2" charset="0"/>
               </a:rPr>
               <a:t>:</a:t>
             </a:r>
@@ -26672,6 +27139,7 @@
               <a:solidFill>
                 <a:schemeClr val="bg1"/>
               </a:solidFill>
+              <a:latin typeface="Formula1 Display-Regular" panose="02000000000000000000" pitchFamily="2" charset="0"/>
             </a:endParaRPr>
           </a:p>
           <a:p>
@@ -26692,6 +27160,7 @@
                 <a:solidFill>
                   <a:schemeClr val="bg1"/>
                 </a:solidFill>
+                <a:latin typeface="Formula1 Display-Regular" panose="02000000000000000000" pitchFamily="2" charset="0"/>
               </a:rPr>
               <a:t>Variabili</a:t>
             </a:r>
@@ -26700,6 +27169,7 @@
                 <a:solidFill>
                   <a:schemeClr val="bg1"/>
                 </a:solidFill>
+                <a:latin typeface="Formula1 Display-Regular" panose="02000000000000000000" pitchFamily="2" charset="0"/>
               </a:rPr>
               <a:t> </a:t>
             </a:r>
@@ -26708,6 +27178,7 @@
                 <a:solidFill>
                   <a:schemeClr val="bg1"/>
                 </a:solidFill>
+                <a:latin typeface="Formula1 Display-Regular" panose="02000000000000000000" pitchFamily="2" charset="0"/>
               </a:rPr>
               <a:t>aggiuntive</a:t>
             </a:r>
@@ -26716,6 +27187,7 @@
                 <a:solidFill>
                   <a:schemeClr val="bg1"/>
                 </a:solidFill>
+                <a:latin typeface="Formula1 Display-Regular" panose="02000000000000000000" pitchFamily="2" charset="0"/>
               </a:rPr>
               <a:t> (</a:t>
             </a:r>
@@ -26724,6 +27196,7 @@
                 <a:solidFill>
                   <a:schemeClr val="bg1"/>
                 </a:solidFill>
+                <a:latin typeface="Formula1 Display-Regular" panose="02000000000000000000" pitchFamily="2" charset="0"/>
               </a:rPr>
               <a:t>punti</a:t>
             </a:r>
@@ -26732,6 +27205,7 @@
                 <a:solidFill>
                   <a:schemeClr val="bg1"/>
                 </a:solidFill>
+                <a:latin typeface="Formula1 Display-Regular" panose="02000000000000000000" pitchFamily="2" charset="0"/>
               </a:rPr>
               <a:t> </a:t>
             </a:r>
@@ -26740,6 +27214,7 @@
                 <a:solidFill>
                   <a:schemeClr val="bg1"/>
                 </a:solidFill>
+                <a:latin typeface="Formula1 Display-Regular" panose="02000000000000000000" pitchFamily="2" charset="0"/>
               </a:rPr>
               <a:t>staccata</a:t>
             </a:r>
@@ -26748,6 +27223,7 @@
                 <a:solidFill>
                   <a:schemeClr val="bg1"/>
                 </a:solidFill>
+                <a:latin typeface="Formula1 Display-Regular" panose="02000000000000000000" pitchFamily="2" charset="0"/>
               </a:rPr>
               <a:t>, </a:t>
             </a:r>
@@ -26756,6 +27232,7 @@
                 <a:solidFill>
                   <a:schemeClr val="bg1"/>
                 </a:solidFill>
+                <a:latin typeface="Formula1 Display-Regular" panose="02000000000000000000" pitchFamily="2" charset="0"/>
               </a:rPr>
               <a:t>angolo</a:t>
             </a:r>
@@ -26764,6 +27241,7 @@
                 <a:solidFill>
                   <a:schemeClr val="bg1"/>
                 </a:solidFill>
+                <a:latin typeface="Formula1 Display-Regular" panose="02000000000000000000" pitchFamily="2" charset="0"/>
               </a:rPr>
               <a:t> </a:t>
             </a:r>
@@ -26772,6 +27250,7 @@
                 <a:solidFill>
                   <a:schemeClr val="bg1"/>
                 </a:solidFill>
+                <a:latin typeface="Formula1 Display-Regular" panose="02000000000000000000" pitchFamily="2" charset="0"/>
               </a:rPr>
               <a:t>sterzo</a:t>
             </a:r>
@@ -26780,6 +27259,7 @@
                 <a:solidFill>
                   <a:schemeClr val="bg1"/>
                 </a:solidFill>
+                <a:latin typeface="Formula1 Display-Regular" panose="02000000000000000000" pitchFamily="2" charset="0"/>
               </a:rPr>
               <a:t>)</a:t>
             </a:r>
@@ -26788,6 +27268,7 @@
                 <a:solidFill>
                   <a:schemeClr val="bg1"/>
                 </a:solidFill>
+                <a:latin typeface="Formula1 Display-Regular" panose="02000000000000000000" pitchFamily="2" charset="0"/>
               </a:rPr>
               <a:t>;</a:t>
             </a:r>
@@ -26810,6 +27291,7 @@
                 <a:solidFill>
                   <a:schemeClr val="bg1"/>
                 </a:solidFill>
+                <a:latin typeface="Formula1 Display-Regular" panose="02000000000000000000" pitchFamily="2" charset="0"/>
               </a:rPr>
               <a:t>Analisi</a:t>
             </a:r>
@@ -26818,6 +27300,7 @@
                 <a:solidFill>
                   <a:schemeClr val="bg1"/>
                 </a:solidFill>
+                <a:latin typeface="Formula1 Display-Regular" panose="02000000000000000000" pitchFamily="2" charset="0"/>
               </a:rPr>
               <a:t> multi-</a:t>
             </a:r>
@@ -26826,6 +27309,7 @@
                 <a:solidFill>
                   <a:schemeClr val="bg1"/>
                 </a:solidFill>
+                <a:latin typeface="Formula1 Display-Regular" panose="02000000000000000000" pitchFamily="2" charset="0"/>
               </a:rPr>
               <a:t>stagione</a:t>
             </a:r>
@@ -26834,6 +27318,7 @@
                 <a:solidFill>
                   <a:schemeClr val="bg1"/>
                 </a:solidFill>
+                <a:latin typeface="Formula1 Display-Regular" panose="02000000000000000000" pitchFamily="2" charset="0"/>
               </a:rPr>
               <a:t>;</a:t>
             </a:r>
@@ -26856,6 +27341,7 @@
                 <a:solidFill>
                   <a:schemeClr val="bg1"/>
                 </a:solidFill>
+                <a:latin typeface="Formula1 Display-Regular" panose="02000000000000000000" pitchFamily="2" charset="0"/>
               </a:rPr>
               <a:t>Validazione</a:t>
             </a:r>
@@ -26864,6 +27350,7 @@
                 <a:solidFill>
                   <a:schemeClr val="bg1"/>
                 </a:solidFill>
+                <a:latin typeface="Formula1 Display-Regular" panose="02000000000000000000" pitchFamily="2" charset="0"/>
               </a:rPr>
               <a:t> con </a:t>
             </a:r>
@@ -26872,6 +27359,7 @@
                 <a:solidFill>
                   <a:schemeClr val="bg1"/>
                 </a:solidFill>
+                <a:latin typeface="Formula1 Display-Regular" panose="02000000000000000000" pitchFamily="2" charset="0"/>
               </a:rPr>
               <a:t>esperti</a:t>
             </a:r>
@@ -26880,6 +27368,7 @@
                 <a:solidFill>
                   <a:schemeClr val="bg1"/>
                 </a:solidFill>
+                <a:latin typeface="Formula1 Display-Regular" panose="02000000000000000000" pitchFamily="2" charset="0"/>
               </a:rPr>
               <a:t>;</a:t>
             </a:r>
@@ -26887,6 +27376,7 @@
               <a:solidFill>
                 <a:schemeClr val="bg1"/>
               </a:solidFill>
+              <a:latin typeface="Formula1 Display-Regular" panose="02000000000000000000" pitchFamily="2" charset="0"/>
             </a:endParaRPr>
           </a:p>
         </p:txBody>
@@ -27012,8 +27502,8 @@
         </p:nvSpPr>
         <p:spPr>
           <a:xfrm>
-            <a:off x="2277071" y="2692569"/>
-            <a:ext cx="7637861" cy="1015663"/>
+            <a:off x="757842" y="2692569"/>
+            <a:ext cx="10676321" cy="1015663"/>
           </a:xfrm>
           <a:prstGeom prst="rect">
             <a:avLst/>
@@ -27034,8 +27524,22 @@
               </a:defRPr>
             </a:pPr>
             <a:r>
-              <a:rPr sz="6000"/>
-              <a:t>Grazie per l'attenzione!</a:t>
+              <a:rPr sz="6000" dirty="0">
+                <a:latin typeface="Formula1 Display-Black" panose="02000000000000000000" pitchFamily="2" charset="0"/>
+              </a:rPr>
+              <a:t>Grazie per </a:t>
+            </a:r>
+            <a:r>
+              <a:rPr sz="6000" dirty="0" err="1">
+                <a:latin typeface="Formula1 Display-Black" panose="02000000000000000000" pitchFamily="2" charset="0"/>
+              </a:rPr>
+              <a:t>l'attenzione</a:t>
+            </a:r>
+            <a:r>
+              <a:rPr sz="6000" dirty="0">
+                <a:latin typeface="Formula1 Display-Black" panose="02000000000000000000" pitchFamily="2" charset="0"/>
+              </a:rPr>
+              <a:t>!</a:t>
             </a:r>
           </a:p>
         </p:txBody>
